--- a/Documents/G7-a0_landscape-projectposter-Daniel.pptx
+++ b/Documents/G7-a0_landscape-projectposter-Daniel.pptx
@@ -5740,7 +5740,7 @@
         </p:nvSpPr>
         <p:spPr>
           <a:xfrm>
-            <a:off x="15265321" y="26258190"/>
+            <a:off x="15264720" y="25661525"/>
             <a:ext cx="12273120" cy="1093680"/>
           </a:xfrm>
           <a:prstGeom prst="rect">
@@ -5952,7 +5952,7 @@
         </p:nvSpPr>
         <p:spPr>
           <a:xfrm>
-            <a:off x="15265321" y="26258190"/>
+            <a:off x="15264720" y="25661525"/>
             <a:ext cx="12273120" cy="920400"/>
           </a:xfrm>
           <a:prstGeom prst="rect">
@@ -6011,7 +6011,7 @@
         </p:nvSpPr>
         <p:spPr>
           <a:xfrm>
-            <a:off x="18277681" y="26395224"/>
+            <a:off x="18277080" y="25798559"/>
             <a:ext cx="6248400" cy="646331"/>
           </a:xfrm>
           <a:prstGeom prst="rect">
@@ -6093,7 +6093,7 @@
         </p:blipFill>
         <p:spPr>
           <a:xfrm>
-            <a:off x="15758580" y="14629610"/>
+            <a:off x="15758580" y="14368966"/>
             <a:ext cx="11285400" cy="10995099"/>
           </a:xfrm>
           <a:prstGeom prst="rect">
@@ -6115,8 +6115,8 @@
         </p:nvSpPr>
         <p:spPr>
           <a:xfrm>
-            <a:off x="15264720" y="27536172"/>
-            <a:ext cx="12273120" cy="2785378"/>
+            <a:off x="15265321" y="26865810"/>
+            <a:ext cx="12273120" cy="3272691"/>
           </a:xfrm>
           <a:prstGeom prst="rect">
             <a:avLst/>
@@ -6275,10 +6275,48 @@
               <a:buFont typeface="Arial" panose="020B0604020202020204" pitchFamily="34" charset="0"/>
               <a:buNone/>
             </a:pPr>
+            <a:r>
+              <a:rPr lang="en-US" sz="2000" b="1" dirty="0">
+                <a:latin typeface="Times New Roman" panose="02020603050405020304" pitchFamily="18" charset="0"/>
+                <a:cs typeface="Times New Roman" panose="02020603050405020304" pitchFamily="18" charset="0"/>
+              </a:rPr>
+              <a:t>[4]</a:t>
+            </a:r>
+            <a:r>
+              <a:rPr lang="en-US" sz="2000" dirty="0">
+                <a:latin typeface="Times New Roman" panose="02020603050405020304" pitchFamily="18" charset="0"/>
+                <a:cs typeface="Times New Roman" panose="02020603050405020304" pitchFamily="18" charset="0"/>
+              </a:rPr>
+              <a:t> "Raspberry Pi 4 Model B," Raspberry Pi, </a:t>
+            </a:r>
+            <a:r>
+              <a:rPr lang="en-US" sz="2000" dirty="0">
+                <a:latin typeface="Times New Roman" panose="02020603050405020304" pitchFamily="18" charset="0"/>
+                <a:cs typeface="Times New Roman" panose="02020603050405020304" pitchFamily="18" charset="0"/>
+                <a:hlinkClick r:id="rId4">
+                  <a:extLst>
+                    <a:ext uri="{A12FA001-AC4F-418D-AE19-62706E023703}">
+                      <ahyp:hlinkClr xmlns:ahyp="http://schemas.microsoft.com/office/drawing/2018/hyperlinkcolor" val="tx"/>
+                    </a:ext>
+                  </a:extLst>
+                </a:hlinkClick>
+              </a:rPr>
+              <a:t>https://www.raspberrypi.com/products/raspberry-pi-4-model-b/</a:t>
+            </a:r>
+            <a:endParaRPr lang="en-GB" sz="2000" dirty="0">
+              <a:latin typeface="Times New Roman" panose="02020603050405020304" pitchFamily="18" charset="0"/>
+              <a:cs typeface="Times New Roman" panose="02020603050405020304" pitchFamily="18" charset="0"/>
+            </a:endParaRPr>
+          </a:p>
+          <a:p>
+            <a:pPr indent="0" algn="just">
+              <a:spcBef>
+                <a:spcPts val="1417"/>
+              </a:spcBef>
+              <a:buFont typeface="Arial" panose="020B0604020202020204" pitchFamily="34" charset="0"/>
+              <a:buNone/>
+            </a:pPr>
             <a:endParaRPr lang="en-CA" sz="2000" spc="-1" dirty="0">
-              <a:solidFill>
-                <a:srgbClr val="000000"/>
-              </a:solidFill>
               <a:latin typeface="Times New Roman" panose="02020603050405020304" pitchFamily="18" charset="0"/>
               <a:cs typeface="Times New Roman" panose="02020603050405020304" pitchFamily="18" charset="0"/>
             </a:endParaRPr>
@@ -6300,7 +6338,7 @@
           <p:nvPr/>
         </p:nvPicPr>
         <p:blipFill>
-          <a:blip r:embed="rId4"/>
+          <a:blip r:embed="rId5"/>
           <a:stretch>
             <a:fillRect/>
           </a:stretch>
@@ -6475,7 +6513,7 @@
           <p:nvPr/>
         </p:nvPicPr>
         <p:blipFill>
-          <a:blip r:embed="rId5"/>
+          <a:blip r:embed="rId6"/>
           <a:stretch>
             <a:fillRect/>
           </a:stretch>
@@ -6769,6 +6807,16 @@
               <a:defRPr/>
             </a:pPr>
             <a:r>
+              <a:rPr lang="en-GB" sz="2400" u="sng" spc="-1" dirty="0">
+                <a:solidFill>
+                  <a:srgbClr val="000000"/>
+                </a:solidFill>
+                <a:latin typeface="Times New Roman" panose="02020603050405020304" pitchFamily="18" charset="0"/>
+                <a:cs typeface="Times New Roman" panose="02020603050405020304" pitchFamily="18" charset="0"/>
+              </a:rPr>
+              <a:t>Apache HTTP Server:</a:t>
+            </a:r>
+            <a:r>
               <a:rPr lang="en-GB" sz="2400" spc="-1" dirty="0">
                 <a:solidFill>
                   <a:srgbClr val="000000"/>
@@ -6776,7 +6824,7 @@
                 <a:latin typeface="Times New Roman" panose="02020603050405020304" pitchFamily="18" charset="0"/>
                 <a:cs typeface="Times New Roman" panose="02020603050405020304" pitchFamily="18" charset="0"/>
               </a:rPr>
-              <a:t>Leverage watchdog timers; system hang detection and recovery</a:t>
+              <a:t> Web content hosting and caching tools</a:t>
             </a:r>
           </a:p>
           <a:p>
@@ -6787,6 +6835,16 @@
               <a:defRPr/>
             </a:pPr>
             <a:r>
+              <a:rPr lang="en-GB" sz="2400" u="sng" spc="-1" dirty="0">
+                <a:solidFill>
+                  <a:srgbClr val="000000"/>
+                </a:solidFill>
+                <a:latin typeface="Times New Roman" panose="02020603050405020304" pitchFamily="18" charset="0"/>
+                <a:cs typeface="Times New Roman" panose="02020603050405020304" pitchFamily="18" charset="0"/>
+              </a:rPr>
+              <a:t>JMeter:</a:t>
+            </a:r>
+            <a:r>
               <a:rPr lang="en-GB" sz="2400" spc="-1" dirty="0">
                 <a:solidFill>
                   <a:srgbClr val="000000"/>
@@ -6794,36 +6852,26 @@
                 <a:latin typeface="Times New Roman" panose="02020603050405020304" pitchFamily="18" charset="0"/>
                 <a:cs typeface="Times New Roman" panose="02020603050405020304" pitchFamily="18" charset="0"/>
               </a:rPr>
-              <a:t>Voltage, CPU Temp, CPU Clock, Latency, CPU Usage, Memory Usage</a:t>
-            </a:r>
-          </a:p>
-          <a:p>
-            <a:pPr indent="0">
+              <a:t> User traffic simulation; varying traffic and bandwidth conditions</a:t>
+            </a:r>
+          </a:p>
+          <a:p>
+            <a:pPr marL="685800" indent="-457200">
               <a:spcBef>
                 <a:spcPts val="1417"/>
               </a:spcBef>
-              <a:buFont typeface="Arial" panose="020B0604020202020204" pitchFamily="34" charset="0"/>
-              <a:buNone/>
               <a:defRPr/>
             </a:pPr>
             <a:r>
-              <a:rPr lang="en-US" sz="3200" b="1" dirty="0">
+              <a:rPr lang="en-GB" sz="2400" u="sng" spc="-1" dirty="0">
                 <a:solidFill>
                   <a:srgbClr val="000000"/>
                 </a:solidFill>
                 <a:latin typeface="Times New Roman" panose="02020603050405020304" pitchFamily="18" charset="0"/>
                 <a:cs typeface="Times New Roman" panose="02020603050405020304" pitchFamily="18" charset="0"/>
               </a:rPr>
-              <a:t>Testing and Validation</a:t>
-            </a:r>
-          </a:p>
-          <a:p>
-            <a:pPr marL="685800" indent="-457200">
-              <a:spcBef>
-                <a:spcPts val="1417"/>
-              </a:spcBef>
-              <a:defRPr/>
-            </a:pPr>
+              <a:t>Python:</a:t>
+            </a:r>
             <a:r>
               <a:rPr lang="en-GB" sz="2400" spc="-1" dirty="0">
                 <a:solidFill>
@@ -6832,35 +6880,9 @@
                 <a:latin typeface="Times New Roman" panose="02020603050405020304" pitchFamily="18" charset="0"/>
                 <a:cs typeface="Times New Roman" panose="02020603050405020304" pitchFamily="18" charset="0"/>
               </a:rPr>
-              <a:t>Leverage watchdog timers; system hang detection and recovery</a:t>
-            </a:r>
-          </a:p>
-          <a:p>
-            <a:pPr marL="685800" indent="-457200">
-              <a:spcBef>
-                <a:spcPts val="1417"/>
-              </a:spcBef>
-              <a:defRPr/>
-            </a:pPr>
-            <a:r>
-              <a:rPr lang="en-GB" sz="2400" spc="-1" dirty="0">
-                <a:solidFill>
-                  <a:srgbClr val="000000"/>
-                </a:solidFill>
-                <a:latin typeface="Times New Roman" panose="02020603050405020304" pitchFamily="18" charset="0"/>
-                <a:cs typeface="Times New Roman" panose="02020603050405020304" pitchFamily="18" charset="0"/>
-              </a:rPr>
-              <a:t>Voltage, CPU Temp, CPU Clock, Latency, CPU Usage, Memory Usage</a:t>
-            </a:r>
-          </a:p>
-          <a:p>
-            <a:pPr marL="685800" indent="-457200">
-              <a:spcBef>
-                <a:spcPts val="1417"/>
-              </a:spcBef>
-              <a:defRPr/>
-            </a:pPr>
-            <a:endParaRPr lang="en-GB" sz="2400" spc="-1" dirty="0">
+              <a:t> Daemon for resource monitoring and adaptation execution</a:t>
+            </a:r>
+            <a:endParaRPr lang="en-GB" sz="2400" u="sng" spc="-1" dirty="0">
               <a:solidFill>
                 <a:srgbClr val="000000"/>
               </a:solidFill>
@@ -6868,8 +6890,429 @@
               <a:cs typeface="Times New Roman" panose="02020603050405020304" pitchFamily="18" charset="0"/>
             </a:endParaRPr>
           </a:p>
-        </p:txBody>
-      </p:sp>
+          <a:p>
+            <a:pPr indent="0">
+              <a:spcBef>
+                <a:spcPts val="1417"/>
+              </a:spcBef>
+              <a:buFont typeface="Arial" panose="020B0604020202020204" pitchFamily="34" charset="0"/>
+              <a:buNone/>
+              <a:defRPr/>
+            </a:pPr>
+            <a:r>
+              <a:rPr lang="en-US" sz="3200" b="1" dirty="0">
+                <a:solidFill>
+                  <a:srgbClr val="000000"/>
+                </a:solidFill>
+                <a:latin typeface="Times New Roman" panose="02020603050405020304" pitchFamily="18" charset="0"/>
+                <a:cs typeface="Times New Roman" panose="02020603050405020304" pitchFamily="18" charset="0"/>
+              </a:rPr>
+              <a:t>Testing</a:t>
+            </a:r>
+          </a:p>
+          <a:p>
+            <a:pPr marL="685800" indent="-457200">
+              <a:spcBef>
+                <a:spcPts val="1417"/>
+              </a:spcBef>
+              <a:defRPr/>
+            </a:pPr>
+            <a:r>
+              <a:rPr lang="en-GB" sz="2400" spc="-1" dirty="0">
+                <a:solidFill>
+                  <a:srgbClr val="000000"/>
+                </a:solidFill>
+                <a:latin typeface="Times New Roman" panose="02020603050405020304" pitchFamily="18" charset="0"/>
+                <a:cs typeface="Times New Roman" panose="02020603050405020304" pitchFamily="18" charset="0"/>
+              </a:rPr>
+              <a:t>Traffic stress testing; simulating real-world scenarios</a:t>
+            </a:r>
+          </a:p>
+          <a:p>
+            <a:pPr marL="685800" indent="-457200">
+              <a:spcBef>
+                <a:spcPts val="1417"/>
+              </a:spcBef>
+              <a:defRPr/>
+            </a:pPr>
+            <a:r>
+              <a:rPr lang="en-GB" sz="2400" spc="-1" dirty="0">
+                <a:solidFill>
+                  <a:srgbClr val="000000"/>
+                </a:solidFill>
+                <a:latin typeface="Times New Roman" panose="02020603050405020304" pitchFamily="18" charset="0"/>
+                <a:cs typeface="Times New Roman" panose="02020603050405020304" pitchFamily="18" charset="0"/>
+              </a:rPr>
+              <a:t>Historical data collection</a:t>
+            </a:r>
+          </a:p>
+        </p:txBody>
+      </p:sp>
+      <p:sp>
+        <p:nvSpPr>
+          <p:cNvPr id="29" name="TextBox 28">
+            <a:extLst>
+              <a:ext uri="{FF2B5EF4-FFF2-40B4-BE49-F238E27FC236}">
+                <a16:creationId xmlns:a16="http://schemas.microsoft.com/office/drawing/2014/main" id="{B42BAD57-6ED7-23A5-8976-B3308539978D}"/>
+              </a:ext>
+            </a:extLst>
+          </p:cNvPr>
+          <p:cNvSpPr txBox="1"/>
+          <p:nvPr/>
+        </p:nvSpPr>
+        <p:spPr>
+          <a:xfrm>
+            <a:off x="29029680" y="22003200"/>
+            <a:ext cx="12273120" cy="5622052"/>
+          </a:xfrm>
+          <a:prstGeom prst="rect">
+            <a:avLst/>
+          </a:prstGeom>
+          <a:noFill/>
+        </p:spPr>
+        <p:txBody>
+          <a:bodyPr wrap="square" rtlCol="0">
+            <a:spAutoFit/>
+          </a:bodyPr>
+          <a:lstStyle/>
+          <a:p>
+            <a:pPr marL="0" marR="0" lvl="0" indent="0" algn="l" defTabSz="914400" rtl="0" eaLnBrk="1" fontAlgn="auto" latinLnBrk="0" hangingPunct="1">
+              <a:lnSpc>
+                <a:spcPct val="100000"/>
+              </a:lnSpc>
+              <a:spcBef>
+                <a:spcPts val="1417"/>
+              </a:spcBef>
+              <a:spcAft>
+                <a:spcPts val="0"/>
+              </a:spcAft>
+              <a:buClrTx/>
+              <a:buSzTx/>
+              <a:buFont typeface="Arial" panose="020B0604020202020204" pitchFamily="34" charset="0"/>
+              <a:buNone/>
+              <a:tabLst/>
+              <a:defRPr/>
+            </a:pPr>
+            <a:r>
+              <a:rPr lang="en-US" sz="3200" b="1" dirty="0">
+                <a:solidFill>
+                  <a:srgbClr val="000000"/>
+                </a:solidFill>
+                <a:latin typeface="Times New Roman" panose="02020603050405020304" pitchFamily="18" charset="0"/>
+                <a:cs typeface="Times New Roman" panose="02020603050405020304" pitchFamily="18" charset="0"/>
+              </a:rPr>
+              <a:t>Outcome</a:t>
+            </a:r>
+          </a:p>
+          <a:p>
+            <a:pPr marL="342900" marR="0" lvl="0" indent="-342900" algn="l" defTabSz="914400" rtl="0" eaLnBrk="1" fontAlgn="auto" latinLnBrk="0" hangingPunct="1">
+              <a:lnSpc>
+                <a:spcPct val="100000"/>
+              </a:lnSpc>
+              <a:spcBef>
+                <a:spcPts val="1417"/>
+              </a:spcBef>
+              <a:spcAft>
+                <a:spcPts val="0"/>
+              </a:spcAft>
+              <a:buClrTx/>
+              <a:buSzTx/>
+              <a:buFont typeface="Arial" panose="020B0604020202020204" pitchFamily="34" charset="0"/>
+              <a:buChar char="•"/>
+              <a:tabLst/>
+              <a:defRPr/>
+            </a:pPr>
+            <a:r>
+              <a:rPr lang="en-US" sz="2400" spc="-1" dirty="0">
+                <a:solidFill>
+                  <a:srgbClr val="000000"/>
+                </a:solidFill>
+                <a:latin typeface="Times New Roman" panose="02020603050405020304" pitchFamily="18" charset="0"/>
+                <a:cs typeface="Times New Roman" panose="02020603050405020304" pitchFamily="18" charset="0"/>
+              </a:rPr>
+              <a:t>Adaptive framework improves </a:t>
+            </a:r>
+            <a:r>
+              <a:rPr lang="en-US" sz="2400" spc="-1" dirty="0" err="1">
+                <a:solidFill>
+                  <a:srgbClr val="000000"/>
+                </a:solidFill>
+                <a:latin typeface="Times New Roman" panose="02020603050405020304" pitchFamily="18" charset="0"/>
+                <a:cs typeface="Times New Roman" panose="02020603050405020304" pitchFamily="18" charset="0"/>
+              </a:rPr>
+              <a:t>RPiWeb</a:t>
+            </a:r>
+            <a:r>
+              <a:rPr lang="en-US" sz="2400" spc="-1" dirty="0">
+                <a:solidFill>
+                  <a:srgbClr val="000000"/>
+                </a:solidFill>
+                <a:latin typeface="Times New Roman" panose="02020603050405020304" pitchFamily="18" charset="0"/>
+                <a:cs typeface="Times New Roman" panose="02020603050405020304" pitchFamily="18" charset="0"/>
+              </a:rPr>
+              <a:t> hosting</a:t>
+            </a:r>
+          </a:p>
+          <a:p>
+            <a:pPr marL="0" marR="0" lvl="0" indent="0" algn="l" defTabSz="914400" rtl="0" eaLnBrk="1" fontAlgn="auto" latinLnBrk="0" hangingPunct="1">
+              <a:lnSpc>
+                <a:spcPct val="100000"/>
+              </a:lnSpc>
+              <a:spcBef>
+                <a:spcPts val="1417"/>
+              </a:spcBef>
+              <a:spcAft>
+                <a:spcPts val="0"/>
+              </a:spcAft>
+              <a:buClrTx/>
+              <a:buSzTx/>
+              <a:buFont typeface="Arial" panose="020B0604020202020204" pitchFamily="34" charset="0"/>
+              <a:buNone/>
+              <a:tabLst/>
+              <a:defRPr/>
+            </a:pPr>
+            <a:endParaRPr lang="en-US" sz="3200" b="1" dirty="0">
+              <a:solidFill>
+                <a:srgbClr val="000000"/>
+              </a:solidFill>
+              <a:latin typeface="Times New Roman" panose="02020603050405020304" pitchFamily="18" charset="0"/>
+              <a:cs typeface="Times New Roman" panose="02020603050405020304" pitchFamily="18" charset="0"/>
+            </a:endParaRPr>
+          </a:p>
+          <a:p>
+            <a:pPr marL="0" marR="0" lvl="0" indent="0" algn="l" defTabSz="914400" rtl="0" eaLnBrk="1" fontAlgn="auto" latinLnBrk="0" hangingPunct="1">
+              <a:lnSpc>
+                <a:spcPct val="100000"/>
+              </a:lnSpc>
+              <a:spcBef>
+                <a:spcPts val="1417"/>
+              </a:spcBef>
+              <a:spcAft>
+                <a:spcPts val="0"/>
+              </a:spcAft>
+              <a:buClrTx/>
+              <a:buSzTx/>
+              <a:buFont typeface="Arial" panose="020B0604020202020204" pitchFamily="34" charset="0"/>
+              <a:buNone/>
+              <a:tabLst/>
+              <a:defRPr/>
+            </a:pPr>
+            <a:endParaRPr lang="en-US" sz="3200" b="1" dirty="0">
+              <a:solidFill>
+                <a:srgbClr val="000000"/>
+              </a:solidFill>
+              <a:latin typeface="Times New Roman" panose="02020603050405020304" pitchFamily="18" charset="0"/>
+              <a:cs typeface="Times New Roman" panose="02020603050405020304" pitchFamily="18" charset="0"/>
+            </a:endParaRPr>
+          </a:p>
+          <a:p>
+            <a:pPr marL="0" marR="0" lvl="0" indent="0" algn="l" defTabSz="914400" rtl="0" eaLnBrk="1" fontAlgn="auto" latinLnBrk="0" hangingPunct="1">
+              <a:lnSpc>
+                <a:spcPct val="100000"/>
+              </a:lnSpc>
+              <a:spcBef>
+                <a:spcPts val="1417"/>
+              </a:spcBef>
+              <a:spcAft>
+                <a:spcPts val="0"/>
+              </a:spcAft>
+              <a:buClrTx/>
+              <a:buSzTx/>
+              <a:buFont typeface="Arial" panose="020B0604020202020204" pitchFamily="34" charset="0"/>
+              <a:buNone/>
+              <a:tabLst/>
+              <a:defRPr/>
+            </a:pPr>
+            <a:r>
+              <a:rPr lang="en-US" sz="3200" b="1" dirty="0">
+                <a:solidFill>
+                  <a:srgbClr val="000000"/>
+                </a:solidFill>
+                <a:latin typeface="Times New Roman" panose="02020603050405020304" pitchFamily="18" charset="0"/>
+                <a:cs typeface="Times New Roman" panose="02020603050405020304" pitchFamily="18" charset="0"/>
+              </a:rPr>
+              <a:t>Considerations</a:t>
+            </a:r>
+          </a:p>
+          <a:p>
+            <a:pPr marL="342900" marR="0" lvl="0" indent="-342900" algn="l" defTabSz="914400" rtl="0" eaLnBrk="1" fontAlgn="auto" latinLnBrk="0" hangingPunct="1">
+              <a:lnSpc>
+                <a:spcPct val="100000"/>
+              </a:lnSpc>
+              <a:spcBef>
+                <a:spcPts val="1417"/>
+              </a:spcBef>
+              <a:spcAft>
+                <a:spcPts val="0"/>
+              </a:spcAft>
+              <a:buClrTx/>
+              <a:buSzTx/>
+              <a:buFont typeface="Arial" panose="020B0604020202020204" pitchFamily="34" charset="0"/>
+              <a:buChar char="•"/>
+              <a:tabLst/>
+              <a:defRPr/>
+            </a:pPr>
+            <a:r>
+              <a:rPr lang="en-US" sz="2400" spc="-1" dirty="0">
+                <a:solidFill>
+                  <a:srgbClr val="000000"/>
+                </a:solidFill>
+                <a:latin typeface="Times New Roman" panose="02020603050405020304" pitchFamily="18" charset="0"/>
+                <a:cs typeface="Times New Roman" panose="02020603050405020304" pitchFamily="18" charset="0"/>
+              </a:rPr>
+              <a:t>ML improvements with richer historical data for model training</a:t>
+            </a:r>
+          </a:p>
+          <a:p>
+            <a:pPr marL="342900" marR="0" lvl="0" indent="-342900" algn="l" defTabSz="914400" rtl="0" eaLnBrk="1" fontAlgn="auto" latinLnBrk="0" hangingPunct="1">
+              <a:lnSpc>
+                <a:spcPct val="100000"/>
+              </a:lnSpc>
+              <a:spcBef>
+                <a:spcPts val="1417"/>
+              </a:spcBef>
+              <a:spcAft>
+                <a:spcPts val="0"/>
+              </a:spcAft>
+              <a:buClrTx/>
+              <a:buSzTx/>
+              <a:buFont typeface="Arial" panose="020B0604020202020204" pitchFamily="34" charset="0"/>
+              <a:buChar char="•"/>
+              <a:tabLst/>
+              <a:defRPr/>
+            </a:pPr>
+            <a:r>
+              <a:rPr lang="en-US" sz="2400" spc="-1" dirty="0">
+                <a:solidFill>
+                  <a:srgbClr val="000000"/>
+                </a:solidFill>
+                <a:latin typeface="Times New Roman" panose="02020603050405020304" pitchFamily="18" charset="0"/>
+                <a:cs typeface="Times New Roman" panose="02020603050405020304" pitchFamily="18" charset="0"/>
+              </a:rPr>
+              <a:t>Framework scalability to even more resource constrained environments</a:t>
+            </a:r>
+          </a:p>
+          <a:p>
+            <a:pPr marR="0" lvl="0" algn="l" defTabSz="914400" rtl="0" eaLnBrk="1" fontAlgn="auto" latinLnBrk="0" hangingPunct="1">
+              <a:lnSpc>
+                <a:spcPct val="100000"/>
+              </a:lnSpc>
+              <a:spcBef>
+                <a:spcPts val="1417"/>
+              </a:spcBef>
+              <a:spcAft>
+                <a:spcPts val="0"/>
+              </a:spcAft>
+              <a:buClrTx/>
+              <a:buSzTx/>
+              <a:tabLst/>
+              <a:defRPr/>
+            </a:pPr>
+            <a:endParaRPr lang="en-US" sz="2400" spc="-1" dirty="0">
+              <a:solidFill>
+                <a:srgbClr val="000000"/>
+              </a:solidFill>
+              <a:latin typeface="Times New Roman" panose="02020603050405020304" pitchFamily="18" charset="0"/>
+              <a:cs typeface="Times New Roman" panose="02020603050405020304" pitchFamily="18" charset="0"/>
+            </a:endParaRPr>
+          </a:p>
+          <a:p>
+            <a:pPr marL="342900" marR="0" lvl="0" indent="-342900" algn="l" defTabSz="914400" rtl="0" eaLnBrk="1" fontAlgn="auto" latinLnBrk="0" hangingPunct="1">
+              <a:lnSpc>
+                <a:spcPct val="100000"/>
+              </a:lnSpc>
+              <a:spcBef>
+                <a:spcPts val="1417"/>
+              </a:spcBef>
+              <a:spcAft>
+                <a:spcPts val="0"/>
+              </a:spcAft>
+              <a:buClrTx/>
+              <a:buSzTx/>
+              <a:buFont typeface="Arial" panose="020B0604020202020204" pitchFamily="34" charset="0"/>
+              <a:buChar char="•"/>
+              <a:tabLst/>
+              <a:defRPr/>
+            </a:pPr>
+            <a:endParaRPr kumimoji="0" lang="en-GB" sz="2400" i="0" u="none" strike="noStrike" kern="1200" cap="none" spc="-1" normalizeH="0" baseline="0" noProof="0" dirty="0">
+              <a:ln>
+                <a:noFill/>
+              </a:ln>
+              <a:solidFill>
+                <a:srgbClr val="000000"/>
+              </a:solidFill>
+              <a:effectLst/>
+              <a:uLnTx/>
+              <a:uFillTx/>
+              <a:latin typeface="Times New Roman" panose="02020603050405020304" pitchFamily="18" charset="0"/>
+              <a:cs typeface="Times New Roman" panose="02020603050405020304" pitchFamily="18" charset="0"/>
+            </a:endParaRPr>
+          </a:p>
+          <a:p>
+            <a:endParaRPr lang="en-US" dirty="0"/>
+          </a:p>
+        </p:txBody>
+      </p:sp>
+      <p:pic>
+        <p:nvPicPr>
+          <p:cNvPr id="39" name="Picture 38">
+            <a:extLst>
+              <a:ext uri="{FF2B5EF4-FFF2-40B4-BE49-F238E27FC236}">
+                <a16:creationId xmlns:a16="http://schemas.microsoft.com/office/drawing/2014/main" id="{9AF0855A-96C0-A5F9-87DE-B632267F665F}"/>
+              </a:ext>
+            </a:extLst>
+          </p:cNvPr>
+          <p:cNvPicPr>
+            <a:picLocks noChangeAspect="1"/>
+          </p:cNvPicPr>
+          <p:nvPr/>
+        </p:nvPicPr>
+        <p:blipFill>
+          <a:blip r:embed="rId7"/>
+          <a:stretch>
+            <a:fillRect/>
+          </a:stretch>
+        </p:blipFill>
+        <p:spPr>
+          <a:xfrm>
+            <a:off x="7779107" y="9389751"/>
+            <a:ext cx="5710465" cy="3381196"/>
+          </a:xfrm>
+          <a:prstGeom prst="rect">
+            <a:avLst/>
+          </a:prstGeom>
+        </p:spPr>
+      </p:pic>
+      <p:pic>
+        <p:nvPicPr>
+          <p:cNvPr id="43" name="Picture 42">
+            <a:extLst>
+              <a:ext uri="{FF2B5EF4-FFF2-40B4-BE49-F238E27FC236}">
+                <a16:creationId xmlns:a16="http://schemas.microsoft.com/office/drawing/2014/main" id="{78849E4C-8CB9-58F1-8F8E-A79ADA29B72B}"/>
+              </a:ext>
+            </a:extLst>
+          </p:cNvPr>
+          <p:cNvPicPr>
+            <a:picLocks noChangeAspect="1"/>
+          </p:cNvPicPr>
+          <p:nvPr/>
+        </p:nvPicPr>
+        <p:blipFill>
+          <a:blip r:embed="rId8"/>
+          <a:stretch>
+            <a:fillRect/>
+          </a:stretch>
+        </p:blipFill>
+        <p:spPr>
+          <a:xfrm>
+            <a:off x="1500963" y="22156295"/>
+            <a:ext cx="6487430" cy="2429214"/>
+          </a:xfrm>
+          <a:prstGeom prst="rect">
+            <a:avLst/>
+          </a:prstGeom>
+        </p:spPr>
+      </p:pic>
     </p:spTree>
   </p:cSld>
   <p:clrMapOvr>

--- a/Documents/G7-a0_landscape-projectposter-Daniel.pptx
+++ b/Documents/G7-a0_landscape-projectposter-Daniel.pptx
@@ -3923,6 +3923,109 @@
               <a:t>Ensure consistent uptime and user confidence</a:t>
             </a:r>
           </a:p>
+          <a:p>
+            <a:pPr marL="685800" marR="0" lvl="0" indent="-457200" algn="l" defTabSz="914400" rtl="0" eaLnBrk="1" fontAlgn="auto" latinLnBrk="0" hangingPunct="1">
+              <a:lnSpc>
+                <a:spcPct val="90000"/>
+              </a:lnSpc>
+              <a:spcBef>
+                <a:spcPts val="1417"/>
+              </a:spcBef>
+              <a:spcAft>
+                <a:spcPts val="0"/>
+              </a:spcAft>
+              <a:buClrTx/>
+              <a:buSzTx/>
+              <a:buFont typeface="Arial" panose="020B0604020202020204" pitchFamily="34" charset="0"/>
+              <a:buChar char="•"/>
+              <a:tabLst/>
+              <a:defRPr/>
+            </a:pPr>
+            <a:r>
+              <a:rPr lang="en-GB" dirty="0">
+                <a:solidFill>
+                  <a:srgbClr val="000000"/>
+                </a:solidFill>
+                <a:latin typeface="Times New Roman" panose="02020603050405020304" pitchFamily="18" charset="0"/>
+                <a:cs typeface="Times New Roman" panose="02020603050405020304" pitchFamily="18" charset="0"/>
+              </a:rPr>
+              <a:t>No additional expenses</a:t>
+            </a:r>
+          </a:p>
+          <a:p>
+            <a:pPr marL="685800" marR="0" lvl="0" indent="-457200" algn="l" defTabSz="914400" rtl="0" eaLnBrk="1" fontAlgn="auto" latinLnBrk="0" hangingPunct="1">
+              <a:lnSpc>
+                <a:spcPct val="90000"/>
+              </a:lnSpc>
+              <a:spcBef>
+                <a:spcPts val="1417"/>
+              </a:spcBef>
+              <a:spcAft>
+                <a:spcPts val="0"/>
+              </a:spcAft>
+              <a:buClrTx/>
+              <a:buSzTx/>
+              <a:buFont typeface="Arial" panose="020B0604020202020204" pitchFamily="34" charset="0"/>
+              <a:buChar char="•"/>
+              <a:tabLst/>
+              <a:defRPr/>
+            </a:pPr>
+            <a:r>
+              <a:rPr kumimoji="0" lang="en-GB" sz="2800" b="1" i="0" u="none" strike="noStrike" kern="1200" cap="none" spc="0" normalizeH="0" baseline="0" noProof="0" dirty="0">
+                <a:ln>
+                  <a:noFill/>
+                </a:ln>
+                <a:solidFill>
+                  <a:srgbClr val="FF0000"/>
+                </a:solidFill>
+                <a:effectLst/>
+                <a:uLnTx/>
+                <a:uFillTx/>
+                <a:latin typeface="Times New Roman" panose="02020603050405020304" pitchFamily="18" charset="0"/>
+                <a:cs typeface="Times New Roman" panose="02020603050405020304" pitchFamily="18" charset="0"/>
+              </a:rPr>
+              <a:t>Deploy-and-</a:t>
+            </a:r>
+            <a:r>
+              <a:rPr lang="en-GB" b="1" dirty="0">
+                <a:solidFill>
+                  <a:srgbClr val="FF0000"/>
+                </a:solidFill>
+                <a:latin typeface="Times New Roman" panose="02020603050405020304" pitchFamily="18" charset="0"/>
+                <a:cs typeface="Times New Roman" panose="02020603050405020304" pitchFamily="18" charset="0"/>
+              </a:rPr>
+              <a:t>Fo</a:t>
+            </a:r>
+            <a:r>
+              <a:rPr kumimoji="0" lang="en-GB" sz="2800" b="1" i="0" u="none" strike="noStrike" kern="1200" cap="none" spc="0" normalizeH="0" baseline="0" noProof="0" dirty="0" err="1">
+                <a:ln>
+                  <a:noFill/>
+                </a:ln>
+                <a:solidFill>
+                  <a:srgbClr val="FF0000"/>
+                </a:solidFill>
+                <a:effectLst/>
+                <a:uLnTx/>
+                <a:uFillTx/>
+                <a:latin typeface="Times New Roman" panose="02020603050405020304" pitchFamily="18" charset="0"/>
+                <a:cs typeface="Times New Roman" panose="02020603050405020304" pitchFamily="18" charset="0"/>
+              </a:rPr>
+              <a:t>rget</a:t>
+            </a:r>
+            <a:endParaRPr kumimoji="0" lang="en-GB" sz="2800" b="1" i="0" u="none" strike="noStrike" kern="1200" cap="none" spc="0" normalizeH="0" baseline="0" noProof="0" dirty="0">
+              <a:ln>
+                <a:noFill/>
+              </a:ln>
+              <a:solidFill>
+                <a:srgbClr val="FF0000"/>
+              </a:solidFill>
+              <a:effectLst/>
+              <a:uLnTx/>
+              <a:uFillTx/>
+              <a:latin typeface="Times New Roman" panose="02020603050405020304" pitchFamily="18" charset="0"/>
+              <a:cs typeface="Times New Roman" panose="02020603050405020304" pitchFamily="18" charset="0"/>
+            </a:endParaRPr>
+          </a:p>
         </p:txBody>
       </p:sp>
       <p:sp>
@@ -4472,8 +4575,8 @@
         </p:nvSpPr>
         <p:spPr>
           <a:xfrm>
-            <a:off x="1725900" y="1423759"/>
-            <a:ext cx="29759940" cy="1347067"/>
+            <a:off x="7009414" y="1458697"/>
+            <a:ext cx="24077691" cy="1347067"/>
           </a:xfrm>
           <a:prstGeom prst="rect">
             <a:avLst/>
@@ -4494,7 +4597,7 @@
                 <a:latin typeface="Times New Roman" panose="02020603050405020304" pitchFamily="18" charset="0"/>
                 <a:cs typeface="Times New Roman" panose="02020603050405020304" pitchFamily="18" charset="0"/>
               </a:rPr>
-              <a:t>Reliable Web Hosting on Raspberry Pi: A Self-Adaptive Approach</a:t>
+              <a:t>Unbeatable Website on a Pi: A Self-Adaptive Approach</a:t>
             </a:r>
           </a:p>
         </p:txBody>
@@ -6520,7 +6623,7 @@
         </p:blipFill>
         <p:spPr>
           <a:xfrm>
-            <a:off x="19048260" y="9440363"/>
+            <a:off x="22932866" y="9378067"/>
             <a:ext cx="4111114" cy="3330584"/>
           </a:xfrm>
           <a:prstGeom prst="rect">
@@ -7311,6 +7414,54 @@
           <a:prstGeom prst="rect">
             <a:avLst/>
           </a:prstGeom>
+        </p:spPr>
+      </p:pic>
+      <p:pic>
+        <p:nvPicPr>
+          <p:cNvPr id="6" name="Picture 2" descr="5 Awesome Raspberry Pi Accessories to Buy in 2023">
+            <a:extLst>
+              <a:ext uri="{FF2B5EF4-FFF2-40B4-BE49-F238E27FC236}">
+                <a16:creationId xmlns:a16="http://schemas.microsoft.com/office/drawing/2014/main" id="{F39070B4-4582-D78C-B54C-B341D2D6ED85}"/>
+              </a:ext>
+            </a:extLst>
+          </p:cNvPr>
+          <p:cNvPicPr>
+            <a:picLocks noChangeAspect="1" noChangeArrowheads="1"/>
+          </p:cNvPicPr>
+          <p:nvPr/>
+        </p:nvPicPr>
+        <p:blipFill rotWithShape="1">
+          <a:blip r:embed="rId9">
+            <a:extLst>
+              <a:ext uri="{28A0092B-C50C-407E-A947-70E740481C1C}">
+                <a14:useLocalDpi xmlns:a14="http://schemas.microsoft.com/office/drawing/2010/main" val="0"/>
+              </a:ext>
+            </a:extLst>
+          </a:blip>
+          <a:srcRect l="18993" r="20399"/>
+          <a:stretch/>
+        </p:blipFill>
+        <p:spPr bwMode="auto">
+          <a:xfrm>
+            <a:off x="292873" y="435612"/>
+            <a:ext cx="3656187" cy="3393239"/>
+          </a:xfrm>
+          <a:prstGeom prst="rect">
+            <a:avLst/>
+          </a:prstGeom>
+          <a:noFill/>
+          <a:effectLst>
+            <a:softEdge rad="310615"/>
+          </a:effectLst>
+          <a:extLst>
+            <a:ext uri="{909E8E84-426E-40DD-AFC4-6F175D3DCCD1}">
+              <a14:hiddenFill xmlns:a14="http://schemas.microsoft.com/office/drawing/2010/main">
+                <a:solidFill>
+                  <a:srgbClr val="FFFFFF"/>
+                </a:solidFill>
+              </a14:hiddenFill>
+            </a:ext>
+          </a:extLst>
         </p:spPr>
       </p:pic>
     </p:spTree>

--- a/Documents/G7-a0_landscape-projectposter-Daniel.pptx
+++ b/Documents/G7-a0_landscape-projectposter-Daniel.pptx
@@ -6,6 +6,7 @@
   </p:sldMasterIdLst>
   <p:sldIdLst>
     <p:sldId id="256" r:id="rId2"/>
+    <p:sldId id="257" r:id="rId3"/>
   </p:sldIdLst>
   <p:sldSz cx="42803763" cy="30275213"/>
   <p:notesSz cx="7772400" cy="10058400"/>
@@ -3984,47 +3985,8 @@
                 <a:latin typeface="Times New Roman" panose="02020603050405020304" pitchFamily="18" charset="0"/>
                 <a:cs typeface="Times New Roman" panose="02020603050405020304" pitchFamily="18" charset="0"/>
               </a:rPr>
-              <a:t>Deploy-and-</a:t>
-            </a:r>
-            <a:r>
-              <a:rPr lang="en-GB" b="1" dirty="0">
-                <a:solidFill>
-                  <a:srgbClr val="FF0000"/>
-                </a:solidFill>
-                <a:latin typeface="Times New Roman" panose="02020603050405020304" pitchFamily="18" charset="0"/>
-                <a:cs typeface="Times New Roman" panose="02020603050405020304" pitchFamily="18" charset="0"/>
-              </a:rPr>
-              <a:t>Fo</a:t>
-            </a:r>
-            <a:r>
-              <a:rPr kumimoji="0" lang="en-GB" sz="2800" b="1" i="0" u="none" strike="noStrike" kern="1200" cap="none" spc="0" normalizeH="0" baseline="0" noProof="0" dirty="0" err="1">
-                <a:ln>
-                  <a:noFill/>
-                </a:ln>
-                <a:solidFill>
-                  <a:srgbClr val="FF0000"/>
-                </a:solidFill>
-                <a:effectLst/>
-                <a:uLnTx/>
-                <a:uFillTx/>
-                <a:latin typeface="Times New Roman" panose="02020603050405020304" pitchFamily="18" charset="0"/>
-                <a:cs typeface="Times New Roman" panose="02020603050405020304" pitchFamily="18" charset="0"/>
-              </a:rPr>
-              <a:t>rget</a:t>
-            </a:r>
-            <a:endParaRPr kumimoji="0" lang="en-GB" sz="2800" b="1" i="0" u="none" strike="noStrike" kern="1200" cap="none" spc="0" normalizeH="0" baseline="0" noProof="0" dirty="0">
-              <a:ln>
-                <a:noFill/>
-              </a:ln>
-              <a:solidFill>
-                <a:srgbClr val="FF0000"/>
-              </a:solidFill>
-              <a:effectLst/>
-              <a:uLnTx/>
-              <a:uFillTx/>
-              <a:latin typeface="Times New Roman" panose="02020603050405020304" pitchFamily="18" charset="0"/>
-              <a:cs typeface="Times New Roman" panose="02020603050405020304" pitchFamily="18" charset="0"/>
-            </a:endParaRPr>
+              <a:t>Deploy-and-forget</a:t>
+            </a:r>
           </a:p>
         </p:txBody>
       </p:sp>
@@ -5823,323 +5785,6 @@
                 <a:cs typeface="Times New Roman" panose="02020603050405020304" pitchFamily="18" charset="0"/>
               </a:rPr>
               <a:t>Approach</a:t>
-            </a:r>
-          </a:p>
-        </p:txBody>
-      </p:sp>
-      <p:sp>
-        <p:nvSpPr>
-          <p:cNvPr id="35" name="PlaceHolder 15">
-            <a:extLst>
-              <a:ext uri="{FF2B5EF4-FFF2-40B4-BE49-F238E27FC236}">
-                <a16:creationId xmlns:a16="http://schemas.microsoft.com/office/drawing/2014/main" id="{7A7D0355-B999-4B05-0DB0-E4D7EA8503B3}"/>
-              </a:ext>
-            </a:extLst>
-          </p:cNvPr>
-          <p:cNvSpPr txBox="1">
-            <a:spLocks/>
-          </p:cNvSpPr>
-          <p:nvPr/>
-        </p:nvSpPr>
-        <p:spPr>
-          <a:xfrm>
-            <a:off x="15264720" y="25661525"/>
-            <a:ext cx="12273120" cy="1093680"/>
-          </a:xfrm>
-          <a:prstGeom prst="rect">
-            <a:avLst/>
-          </a:prstGeom>
-          <a:solidFill>
-            <a:srgbClr val="FF5757"/>
-          </a:solidFill>
-          <a:ln w="0">
-            <a:noFill/>
-          </a:ln>
-        </p:spPr>
-        <p:txBody>
-          <a:bodyPr lIns="365760" tIns="45000" rIns="90000" bIns="45000" anchor="ctr">
-            <a:noAutofit/>
-          </a:bodyPr>
-          <a:lstStyle>
-            <a:lvl1pPr marL="228600" indent="-228600" algn="l" defTabSz="914400" rtl="0" eaLnBrk="1" latinLnBrk="0" hangingPunct="1">
-              <a:lnSpc>
-                <a:spcPct val="90000"/>
-              </a:lnSpc>
-              <a:spcBef>
-                <a:spcPts val="1000"/>
-              </a:spcBef>
-              <a:buFont typeface="Arial" panose="020B0604020202020204" pitchFamily="34" charset="0"/>
-              <a:buChar char="•"/>
-              <a:defRPr sz="2800" kern="1200">
-                <a:solidFill>
-                  <a:schemeClr val="tx1"/>
-                </a:solidFill>
-                <a:latin typeface="+mn-lt"/>
-                <a:ea typeface="+mn-ea"/>
-                <a:cs typeface="+mn-cs"/>
-              </a:defRPr>
-            </a:lvl1pPr>
-            <a:lvl2pPr marL="685800" indent="-228600" algn="l" defTabSz="914400" rtl="0" eaLnBrk="1" latinLnBrk="0" hangingPunct="1">
-              <a:lnSpc>
-                <a:spcPct val="90000"/>
-              </a:lnSpc>
-              <a:spcBef>
-                <a:spcPts val="500"/>
-              </a:spcBef>
-              <a:buFont typeface="Arial" panose="020B0604020202020204" pitchFamily="34" charset="0"/>
-              <a:buChar char="•"/>
-              <a:defRPr sz="2400" kern="1200">
-                <a:solidFill>
-                  <a:schemeClr val="tx1"/>
-                </a:solidFill>
-                <a:latin typeface="+mn-lt"/>
-                <a:ea typeface="+mn-ea"/>
-                <a:cs typeface="+mn-cs"/>
-              </a:defRPr>
-            </a:lvl2pPr>
-            <a:lvl3pPr marL="1143000" indent="-228600" algn="l" defTabSz="914400" rtl="0" eaLnBrk="1" latinLnBrk="0" hangingPunct="1">
-              <a:lnSpc>
-                <a:spcPct val="90000"/>
-              </a:lnSpc>
-              <a:spcBef>
-                <a:spcPts val="500"/>
-              </a:spcBef>
-              <a:buFont typeface="Arial" panose="020B0604020202020204" pitchFamily="34" charset="0"/>
-              <a:buChar char="•"/>
-              <a:defRPr sz="2000" kern="1200">
-                <a:solidFill>
-                  <a:schemeClr val="tx1"/>
-                </a:solidFill>
-                <a:latin typeface="+mn-lt"/>
-                <a:ea typeface="+mn-ea"/>
-                <a:cs typeface="+mn-cs"/>
-              </a:defRPr>
-            </a:lvl3pPr>
-            <a:lvl4pPr marL="1600200" indent="-228600" algn="l" defTabSz="914400" rtl="0" eaLnBrk="1" latinLnBrk="0" hangingPunct="1">
-              <a:lnSpc>
-                <a:spcPct val="90000"/>
-              </a:lnSpc>
-              <a:spcBef>
-                <a:spcPts val="500"/>
-              </a:spcBef>
-              <a:buFont typeface="Arial" panose="020B0604020202020204" pitchFamily="34" charset="0"/>
-              <a:buChar char="•"/>
-              <a:defRPr sz="1800" kern="1200">
-                <a:solidFill>
-                  <a:schemeClr val="tx1"/>
-                </a:solidFill>
-                <a:latin typeface="+mn-lt"/>
-                <a:ea typeface="+mn-ea"/>
-                <a:cs typeface="+mn-cs"/>
-              </a:defRPr>
-            </a:lvl4pPr>
-            <a:lvl5pPr marL="2057400" indent="-228600" algn="l" defTabSz="914400" rtl="0" eaLnBrk="1" latinLnBrk="0" hangingPunct="1">
-              <a:lnSpc>
-                <a:spcPct val="90000"/>
-              </a:lnSpc>
-              <a:spcBef>
-                <a:spcPts val="500"/>
-              </a:spcBef>
-              <a:buFont typeface="Arial" panose="020B0604020202020204" pitchFamily="34" charset="0"/>
-              <a:buChar char="•"/>
-              <a:defRPr sz="1800" kern="1200">
-                <a:solidFill>
-                  <a:schemeClr val="tx1"/>
-                </a:solidFill>
-                <a:latin typeface="+mn-lt"/>
-                <a:ea typeface="+mn-ea"/>
-                <a:cs typeface="+mn-cs"/>
-              </a:defRPr>
-            </a:lvl5pPr>
-            <a:lvl6pPr marL="2514600" indent="-228600" algn="l" defTabSz="914400" rtl="0" eaLnBrk="1" latinLnBrk="0" hangingPunct="1">
-              <a:lnSpc>
-                <a:spcPct val="90000"/>
-              </a:lnSpc>
-              <a:spcBef>
-                <a:spcPts val="500"/>
-              </a:spcBef>
-              <a:buFont typeface="Arial" panose="020B0604020202020204" pitchFamily="34" charset="0"/>
-              <a:buChar char="•"/>
-              <a:defRPr sz="1800" kern="1200">
-                <a:solidFill>
-                  <a:schemeClr val="tx1"/>
-                </a:solidFill>
-                <a:latin typeface="+mn-lt"/>
-                <a:ea typeface="+mn-ea"/>
-                <a:cs typeface="+mn-cs"/>
-              </a:defRPr>
-            </a:lvl6pPr>
-            <a:lvl7pPr marL="2971800" indent="-228600" algn="l" defTabSz="914400" rtl="0" eaLnBrk="1" latinLnBrk="0" hangingPunct="1">
-              <a:lnSpc>
-                <a:spcPct val="90000"/>
-              </a:lnSpc>
-              <a:spcBef>
-                <a:spcPts val="500"/>
-              </a:spcBef>
-              <a:buFont typeface="Arial" panose="020B0604020202020204" pitchFamily="34" charset="0"/>
-              <a:buChar char="•"/>
-              <a:defRPr sz="1800" kern="1200">
-                <a:solidFill>
-                  <a:schemeClr val="tx1"/>
-                </a:solidFill>
-                <a:latin typeface="+mn-lt"/>
-                <a:ea typeface="+mn-ea"/>
-                <a:cs typeface="+mn-cs"/>
-              </a:defRPr>
-            </a:lvl7pPr>
-            <a:lvl8pPr marL="3429000" indent="-228600" algn="l" defTabSz="914400" rtl="0" eaLnBrk="1" latinLnBrk="0" hangingPunct="1">
-              <a:lnSpc>
-                <a:spcPct val="90000"/>
-              </a:lnSpc>
-              <a:spcBef>
-                <a:spcPts val="500"/>
-              </a:spcBef>
-              <a:buFont typeface="Arial" panose="020B0604020202020204" pitchFamily="34" charset="0"/>
-              <a:buChar char="•"/>
-              <a:defRPr sz="1800" kern="1200">
-                <a:solidFill>
-                  <a:schemeClr val="tx1"/>
-                </a:solidFill>
-                <a:latin typeface="+mn-lt"/>
-                <a:ea typeface="+mn-ea"/>
-                <a:cs typeface="+mn-cs"/>
-              </a:defRPr>
-            </a:lvl8pPr>
-            <a:lvl9pPr marL="3886200" indent="-228600" algn="l" defTabSz="914400" rtl="0" eaLnBrk="1" latinLnBrk="0" hangingPunct="1">
-              <a:lnSpc>
-                <a:spcPct val="90000"/>
-              </a:lnSpc>
-              <a:spcBef>
-                <a:spcPts val="500"/>
-              </a:spcBef>
-              <a:buFont typeface="Arial" panose="020B0604020202020204" pitchFamily="34" charset="0"/>
-              <a:buChar char="•"/>
-              <a:defRPr sz="1800" kern="1200">
-                <a:solidFill>
-                  <a:schemeClr val="tx1"/>
-                </a:solidFill>
-                <a:latin typeface="+mn-lt"/>
-                <a:ea typeface="+mn-ea"/>
-                <a:cs typeface="+mn-cs"/>
-              </a:defRPr>
-            </a:lvl9pPr>
-          </a:lstStyle>
-          <a:p>
-            <a:pPr indent="0">
-              <a:spcBef>
-                <a:spcPts val="1417"/>
-              </a:spcBef>
-              <a:buFont typeface="Arial" panose="020B0604020202020204" pitchFamily="34" charset="0"/>
-              <a:buNone/>
-            </a:pPr>
-            <a:endParaRPr lang="en-CA" sz="1800" spc="-1" dirty="0">
-              <a:solidFill>
-                <a:srgbClr val="000000"/>
-              </a:solidFill>
-              <a:latin typeface="Arial"/>
-            </a:endParaRPr>
-          </a:p>
-        </p:txBody>
-      </p:sp>
-      <p:sp>
-        <p:nvSpPr>
-          <p:cNvPr id="37" name="Rectangle 36">
-            <a:extLst>
-              <a:ext uri="{FF2B5EF4-FFF2-40B4-BE49-F238E27FC236}">
-                <a16:creationId xmlns:a16="http://schemas.microsoft.com/office/drawing/2014/main" id="{CF2FE002-A11A-D235-8FB0-1B4326535C98}"/>
-              </a:ext>
-            </a:extLst>
-          </p:cNvPr>
-          <p:cNvSpPr/>
-          <p:nvPr/>
-        </p:nvSpPr>
-        <p:spPr>
-          <a:xfrm>
-            <a:off x="15264720" y="25661525"/>
-            <a:ext cx="12273120" cy="920400"/>
-          </a:xfrm>
-          <a:prstGeom prst="rect">
-            <a:avLst/>
-          </a:prstGeom>
-          <a:solidFill>
-            <a:srgbClr val="595959"/>
-          </a:solidFill>
-          <a:ln>
-            <a:noFill/>
-          </a:ln>
-        </p:spPr>
-        <p:style>
-          <a:lnRef idx="2">
-            <a:schemeClr val="accent1">
-              <a:shade val="15000"/>
-            </a:schemeClr>
-          </a:lnRef>
-          <a:fillRef idx="1">
-            <a:schemeClr val="accent1"/>
-          </a:fillRef>
-          <a:effectRef idx="0">
-            <a:schemeClr val="accent1"/>
-          </a:effectRef>
-          <a:fontRef idx="minor">
-            <a:schemeClr val="lt1"/>
-          </a:fontRef>
-        </p:style>
-        <p:txBody>
-          <a:bodyPr rtlCol="0" anchor="ctr"/>
-          <a:lstStyle/>
-          <a:p>
-            <a:pPr algn="ctr"/>
-            <a:endParaRPr lang="en-US">
-              <a:solidFill>
-                <a:schemeClr val="tx2">
-                  <a:lumMod val="25000"/>
-                  <a:lumOff val="75000"/>
-                </a:schemeClr>
-              </a:solidFill>
-            </a:endParaRPr>
-          </a:p>
-        </p:txBody>
-      </p:sp>
-      <p:sp>
-        <p:nvSpPr>
-          <p:cNvPr id="38" name="TextBox 37">
-            <a:extLst>
-              <a:ext uri="{FF2B5EF4-FFF2-40B4-BE49-F238E27FC236}">
-                <a16:creationId xmlns:a16="http://schemas.microsoft.com/office/drawing/2014/main" id="{194AED81-E7C0-DD7A-69BA-8086CFEF7769}"/>
-              </a:ext>
-            </a:extLst>
-          </p:cNvPr>
-          <p:cNvSpPr txBox="1"/>
-          <p:nvPr/>
-        </p:nvSpPr>
-        <p:spPr>
-          <a:xfrm>
-            <a:off x="18277080" y="25798559"/>
-            <a:ext cx="6248400" cy="646331"/>
-          </a:xfrm>
-          <a:prstGeom prst="rect">
-            <a:avLst/>
-          </a:prstGeom>
-          <a:noFill/>
-        </p:spPr>
-        <p:txBody>
-          <a:bodyPr wrap="square" rtlCol="0">
-            <a:spAutoFit/>
-          </a:bodyPr>
-          <a:lstStyle/>
-          <a:p>
-            <a:pPr algn="ctr"/>
-            <a:r>
-              <a:rPr lang="en-US" sz="3600" dirty="0">
-                <a:solidFill>
-                  <a:schemeClr val="bg1">
-                    <a:lumMod val="95000"/>
-                  </a:schemeClr>
-                </a:solidFill>
-                <a:latin typeface="Times New Roman" panose="02020603050405020304" pitchFamily="18" charset="0"/>
-                <a:cs typeface="Times New Roman" panose="02020603050405020304" pitchFamily="18" charset="0"/>
-              </a:rPr>
-              <a:t>References</a:t>
             </a:r>
           </a:p>
         </p:txBody>
@@ -6190,242 +5835,19 @@
         </p:nvPicPr>
         <p:blipFill>
           <a:blip r:embed="rId3"/>
-          <a:stretch>
-            <a:fillRect/>
-          </a:stretch>
+          <a:srcRect l="1" t="3503" r="397" b="427"/>
+          <a:stretch/>
         </p:blipFill>
         <p:spPr>
           <a:xfrm>
-            <a:off x="15758580" y="14368966"/>
-            <a:ext cx="11285400" cy="10995099"/>
+            <a:off x="16766751" y="14352161"/>
+            <a:ext cx="9269053" cy="8710336"/>
           </a:xfrm>
           <a:prstGeom prst="rect">
             <a:avLst/>
           </a:prstGeom>
         </p:spPr>
       </p:pic>
-      <p:sp>
-        <p:nvSpPr>
-          <p:cNvPr id="18" name="TextBox 17">
-            <a:extLst>
-              <a:ext uri="{FF2B5EF4-FFF2-40B4-BE49-F238E27FC236}">
-                <a16:creationId xmlns:a16="http://schemas.microsoft.com/office/drawing/2014/main" id="{38706C97-ADA1-73C7-0DBF-E3BA82E0D6FD}"/>
-              </a:ext>
-            </a:extLst>
-          </p:cNvPr>
-          <p:cNvSpPr txBox="1"/>
-          <p:nvPr/>
-        </p:nvSpPr>
-        <p:spPr>
-          <a:xfrm>
-            <a:off x="15265321" y="26865810"/>
-            <a:ext cx="12273120" cy="3272691"/>
-          </a:xfrm>
-          <a:prstGeom prst="rect">
-            <a:avLst/>
-          </a:prstGeom>
-          <a:noFill/>
-        </p:spPr>
-        <p:txBody>
-          <a:bodyPr wrap="square" rtlCol="0">
-            <a:spAutoFit/>
-          </a:bodyPr>
-          <a:lstStyle/>
-          <a:p>
-            <a:pPr indent="0" algn="just">
-              <a:spcBef>
-                <a:spcPts val="1417"/>
-              </a:spcBef>
-              <a:buFont typeface="Arial" panose="020B0604020202020204" pitchFamily="34" charset="0"/>
-              <a:buNone/>
-            </a:pPr>
-            <a:r>
-              <a:rPr lang="en-GB" sz="2000" b="1" dirty="0">
-                <a:latin typeface="Times New Roman" panose="02020603050405020304" pitchFamily="18" charset="0"/>
-                <a:cs typeface="Times New Roman" panose="02020603050405020304" pitchFamily="18" charset="0"/>
-              </a:rPr>
-              <a:t>[1]</a:t>
-            </a:r>
-            <a:r>
-              <a:rPr lang="en-GB" sz="2000" dirty="0">
-                <a:latin typeface="Times New Roman" panose="02020603050405020304" pitchFamily="18" charset="0"/>
-                <a:cs typeface="Times New Roman" panose="02020603050405020304" pitchFamily="18" charset="0"/>
-              </a:rPr>
-              <a:t> J. O. Kephart and D. M. Chess, "The Vision of Autonomic Computing," </a:t>
-            </a:r>
-            <a:r>
-              <a:rPr lang="en-GB" sz="2000" i="1" dirty="0">
-                <a:latin typeface="Times New Roman" panose="02020603050405020304" pitchFamily="18" charset="0"/>
-                <a:cs typeface="Times New Roman" panose="02020603050405020304" pitchFamily="18" charset="0"/>
-              </a:rPr>
-              <a:t>IEEE Computer Magazine</a:t>
-            </a:r>
-            <a:r>
-              <a:rPr lang="en-GB" sz="2000" dirty="0">
-                <a:latin typeface="Times New Roman" panose="02020603050405020304" pitchFamily="18" charset="0"/>
-                <a:cs typeface="Times New Roman" panose="02020603050405020304" pitchFamily="18" charset="0"/>
-              </a:rPr>
-              <a:t>, pp. 41-50, Jan. 2003</a:t>
-            </a:r>
-          </a:p>
-          <a:p>
-            <a:pPr indent="0" algn="just">
-              <a:spcBef>
-                <a:spcPts val="1417"/>
-              </a:spcBef>
-              <a:buFont typeface="Arial" panose="020B0604020202020204" pitchFamily="34" charset="0"/>
-              <a:buNone/>
-            </a:pPr>
-            <a:r>
-              <a:rPr lang="en-GB" sz="2000" b="1" dirty="0">
-                <a:latin typeface="Times New Roman" panose="02020603050405020304" pitchFamily="18" charset="0"/>
-                <a:cs typeface="Times New Roman" panose="02020603050405020304" pitchFamily="18" charset="0"/>
-              </a:rPr>
-              <a:t>[2]</a:t>
-            </a:r>
-            <a:r>
-              <a:rPr lang="en-GB" sz="2000" dirty="0">
-                <a:latin typeface="Times New Roman" panose="02020603050405020304" pitchFamily="18" charset="0"/>
-                <a:cs typeface="Times New Roman" panose="02020603050405020304" pitchFamily="18" charset="0"/>
-              </a:rPr>
-              <a:t> L. </a:t>
-            </a:r>
-            <a:r>
-              <a:rPr lang="en-GB" sz="2000" dirty="0" err="1">
-                <a:latin typeface="Times New Roman" panose="02020603050405020304" pitchFamily="18" charset="0"/>
-                <a:cs typeface="Times New Roman" panose="02020603050405020304" pitchFamily="18" charset="0"/>
-              </a:rPr>
-              <a:t>Tahvildari</a:t>
-            </a:r>
-            <a:r>
-              <a:rPr lang="en-GB" sz="2000" dirty="0">
-                <a:latin typeface="Times New Roman" panose="02020603050405020304" pitchFamily="18" charset="0"/>
-                <a:cs typeface="Times New Roman" panose="02020603050405020304" pitchFamily="18" charset="0"/>
-              </a:rPr>
-              <a:t>, </a:t>
-            </a:r>
-            <a:r>
-              <a:rPr lang="en-GB" sz="2000" i="1" dirty="0">
-                <a:latin typeface="Times New Roman" panose="02020603050405020304" pitchFamily="18" charset="0"/>
-                <a:cs typeface="Times New Roman" panose="02020603050405020304" pitchFamily="18" charset="0"/>
-              </a:rPr>
-              <a:t>ECE750-T37: Engineering Self-Adaptive Software Systems, Lecture 1</a:t>
-            </a:r>
-            <a:r>
-              <a:rPr lang="en-GB" sz="2000" dirty="0">
-                <a:latin typeface="Times New Roman" panose="02020603050405020304" pitchFamily="18" charset="0"/>
-                <a:cs typeface="Times New Roman" panose="02020603050405020304" pitchFamily="18" charset="0"/>
-              </a:rPr>
-              <a:t>, Dept. of Elect. and Comp. Eng., University of Waterloo, 2024</a:t>
-            </a:r>
-          </a:p>
-          <a:p>
-            <a:pPr indent="0" algn="just">
-              <a:spcBef>
-                <a:spcPts val="1417"/>
-              </a:spcBef>
-              <a:buFont typeface="Arial" panose="020B0604020202020204" pitchFamily="34" charset="0"/>
-              <a:buNone/>
-            </a:pPr>
-            <a:r>
-              <a:rPr lang="en-GB" sz="2000" b="1" dirty="0">
-                <a:latin typeface="Times New Roman" panose="02020603050405020304" pitchFamily="18" charset="0"/>
-                <a:cs typeface="Times New Roman" panose="02020603050405020304" pitchFamily="18" charset="0"/>
-              </a:rPr>
-              <a:t>[3]</a:t>
-            </a:r>
-            <a:r>
-              <a:rPr lang="en-GB" sz="2000" dirty="0">
-                <a:latin typeface="Times New Roman" panose="02020603050405020304" pitchFamily="18" charset="0"/>
-                <a:cs typeface="Times New Roman" panose="02020603050405020304" pitchFamily="18" charset="0"/>
-              </a:rPr>
-              <a:t> D. </a:t>
-            </a:r>
-            <a:r>
-              <a:rPr lang="en-GB" sz="2000" dirty="0" err="1">
-                <a:latin typeface="Times New Roman" panose="02020603050405020304" pitchFamily="18" charset="0"/>
-                <a:cs typeface="Times New Roman" panose="02020603050405020304" pitchFamily="18" charset="0"/>
-              </a:rPr>
-              <a:t>Weyns</a:t>
-            </a:r>
-            <a:r>
-              <a:rPr lang="en-GB" sz="2000" dirty="0">
-                <a:latin typeface="Times New Roman" panose="02020603050405020304" pitchFamily="18" charset="0"/>
-                <a:cs typeface="Times New Roman" panose="02020603050405020304" pitchFamily="18" charset="0"/>
-              </a:rPr>
-              <a:t>, </a:t>
-            </a:r>
-            <a:r>
-              <a:rPr lang="en-GB" sz="2000" i="1" dirty="0">
-                <a:latin typeface="Times New Roman" panose="02020603050405020304" pitchFamily="18" charset="0"/>
-                <a:cs typeface="Times New Roman" panose="02020603050405020304" pitchFamily="18" charset="0"/>
-              </a:rPr>
-              <a:t>An Introduction to Self-Adaptive Systems: A Contemporary Software Engineering Perspective</a:t>
-            </a:r>
-            <a:r>
-              <a:rPr lang="en-GB" sz="2000" dirty="0">
-                <a:latin typeface="Times New Roman" panose="02020603050405020304" pitchFamily="18" charset="0"/>
-                <a:cs typeface="Times New Roman" panose="02020603050405020304" pitchFamily="18" charset="0"/>
-              </a:rPr>
-              <a:t>, Wiley-IEEE CS Press, Oct. 2020</a:t>
-            </a:r>
-          </a:p>
-          <a:p>
-            <a:pPr indent="0" algn="just">
-              <a:spcBef>
-                <a:spcPts val="1417"/>
-              </a:spcBef>
-              <a:buFont typeface="Arial" panose="020B0604020202020204" pitchFamily="34" charset="0"/>
-              <a:buNone/>
-            </a:pPr>
-            <a:r>
-              <a:rPr lang="en-US" sz="2000" b="1" dirty="0">
-                <a:latin typeface="Times New Roman" panose="02020603050405020304" pitchFamily="18" charset="0"/>
-                <a:cs typeface="Times New Roman" panose="02020603050405020304" pitchFamily="18" charset="0"/>
-              </a:rPr>
-              <a:t>[4]</a:t>
-            </a:r>
-            <a:r>
-              <a:rPr lang="en-US" sz="2000" dirty="0">
-                <a:latin typeface="Times New Roman" panose="02020603050405020304" pitchFamily="18" charset="0"/>
-                <a:cs typeface="Times New Roman" panose="02020603050405020304" pitchFamily="18" charset="0"/>
-              </a:rPr>
-              <a:t> "Raspberry Pi 4 Model B," Raspberry Pi, </a:t>
-            </a:r>
-            <a:r>
-              <a:rPr lang="en-US" sz="2000" dirty="0">
-                <a:latin typeface="Times New Roman" panose="02020603050405020304" pitchFamily="18" charset="0"/>
-                <a:cs typeface="Times New Roman" panose="02020603050405020304" pitchFamily="18" charset="0"/>
-                <a:hlinkClick r:id="rId4">
-                  <a:extLst>
-                    <a:ext uri="{A12FA001-AC4F-418D-AE19-62706E023703}">
-                      <ahyp:hlinkClr xmlns:ahyp="http://schemas.microsoft.com/office/drawing/2018/hyperlinkcolor" val="tx"/>
-                    </a:ext>
-                  </a:extLst>
-                </a:hlinkClick>
-              </a:rPr>
-              <a:t>https://www.raspberrypi.com/products/raspberry-pi-4-model-b/</a:t>
-            </a:r>
-            <a:endParaRPr lang="en-GB" sz="2000" dirty="0">
-              <a:latin typeface="Times New Roman" panose="02020603050405020304" pitchFamily="18" charset="0"/>
-              <a:cs typeface="Times New Roman" panose="02020603050405020304" pitchFamily="18" charset="0"/>
-            </a:endParaRPr>
-          </a:p>
-          <a:p>
-            <a:pPr indent="0" algn="just">
-              <a:spcBef>
-                <a:spcPts val="1417"/>
-              </a:spcBef>
-              <a:buFont typeface="Arial" panose="020B0604020202020204" pitchFamily="34" charset="0"/>
-              <a:buNone/>
-            </a:pPr>
-            <a:endParaRPr lang="en-CA" sz="2000" spc="-1" dirty="0">
-              <a:latin typeface="Times New Roman" panose="02020603050405020304" pitchFamily="18" charset="0"/>
-              <a:cs typeface="Times New Roman" panose="02020603050405020304" pitchFamily="18" charset="0"/>
-            </a:endParaRPr>
-          </a:p>
-        </p:txBody>
-      </p:sp>
       <p:pic>
         <p:nvPicPr>
           <p:cNvPr id="28" name="Picture 27">
@@ -6441,7 +5863,7 @@
           <p:nvPr/>
         </p:nvPicPr>
         <p:blipFill>
-          <a:blip r:embed="rId5"/>
+          <a:blip r:embed="rId4"/>
           <a:stretch>
             <a:fillRect/>
           </a:stretch>
@@ -6616,7 +6038,7 @@
           <p:nvPr/>
         </p:nvPicPr>
         <p:blipFill>
-          <a:blip r:embed="rId6"/>
+          <a:blip r:embed="rId5"/>
           <a:stretch>
             <a:fillRect/>
           </a:stretch>
@@ -7371,7 +6793,7 @@
           <p:nvPr/>
         </p:nvPicPr>
         <p:blipFill>
-          <a:blip r:embed="rId7"/>
+          <a:blip r:embed="rId6"/>
           <a:stretch>
             <a:fillRect/>
           </a:stretch>
@@ -7380,36 +6802,6 @@
           <a:xfrm>
             <a:off x="7779107" y="9389751"/>
             <a:ext cx="5710465" cy="3381196"/>
-          </a:xfrm>
-          <a:prstGeom prst="rect">
-            <a:avLst/>
-          </a:prstGeom>
-        </p:spPr>
-      </p:pic>
-      <p:pic>
-        <p:nvPicPr>
-          <p:cNvPr id="43" name="Picture 42">
-            <a:extLst>
-              <a:ext uri="{FF2B5EF4-FFF2-40B4-BE49-F238E27FC236}">
-                <a16:creationId xmlns:a16="http://schemas.microsoft.com/office/drawing/2014/main" id="{78849E4C-8CB9-58F1-8F8E-A79ADA29B72B}"/>
-              </a:ext>
-            </a:extLst>
-          </p:cNvPr>
-          <p:cNvPicPr>
-            <a:picLocks noChangeAspect="1"/>
-          </p:cNvPicPr>
-          <p:nvPr/>
-        </p:nvPicPr>
-        <p:blipFill>
-          <a:blip r:embed="rId8"/>
-          <a:stretch>
-            <a:fillRect/>
-          </a:stretch>
-        </p:blipFill>
-        <p:spPr>
-          <a:xfrm>
-            <a:off x="1500963" y="22156295"/>
-            <a:ext cx="6487430" cy="2429214"/>
           </a:xfrm>
           <a:prstGeom prst="rect">
             <a:avLst/>
@@ -7431,7 +6823,7 @@
           <p:nvPr/>
         </p:nvPicPr>
         <p:blipFill rotWithShape="1">
-          <a:blip r:embed="rId9">
+          <a:blip r:embed="rId7">
             <a:extLst>
               <a:ext uri="{28A0092B-C50C-407E-A947-70E740481C1C}">
                 <a14:useLocalDpi xmlns:a14="http://schemas.microsoft.com/office/drawing/2010/main" val="0"/>
@@ -7464,7 +6856,653 @@
           </a:extLst>
         </p:spPr>
       </p:pic>
+      <p:pic>
+        <p:nvPicPr>
+          <p:cNvPr id="30" name="Picture 2">
+            <a:extLst>
+              <a:ext uri="{FF2B5EF4-FFF2-40B4-BE49-F238E27FC236}">
+                <a16:creationId xmlns:a16="http://schemas.microsoft.com/office/drawing/2014/main" id="{AB7EAB57-E117-0C27-9DE9-642CB7BC2045}"/>
+              </a:ext>
+            </a:extLst>
+          </p:cNvPr>
+          <p:cNvPicPr>
+            <a:picLocks noChangeAspect="1" noChangeArrowheads="1"/>
+          </p:cNvPicPr>
+          <p:nvPr/>
+        </p:nvPicPr>
+        <p:blipFill>
+          <a:blip r:embed="rId8">
+            <a:extLst>
+              <a:ext uri="{28A0092B-C50C-407E-A947-70E740481C1C}">
+                <a14:useLocalDpi xmlns:a14="http://schemas.microsoft.com/office/drawing/2010/main" val="0"/>
+              </a:ext>
+            </a:extLst>
+          </a:blip>
+          <a:srcRect/>
+          <a:stretch>
+            <a:fillRect/>
+          </a:stretch>
+        </p:blipFill>
+        <p:spPr bwMode="auto">
+          <a:xfrm>
+            <a:off x="16947955" y="23218502"/>
+            <a:ext cx="8906643" cy="6816500"/>
+          </a:xfrm>
+          <a:prstGeom prst="rect">
+            <a:avLst/>
+          </a:prstGeom>
+          <a:noFill/>
+          <a:extLst>
+            <a:ext uri="{909E8E84-426E-40DD-AFC4-6F175D3DCCD1}">
+              <a14:hiddenFill xmlns:a14="http://schemas.microsoft.com/office/drawing/2010/main">
+                <a:solidFill>
+                  <a:srgbClr val="FFFFFF"/>
+                </a:solidFill>
+              </a14:hiddenFill>
+            </a:ext>
+          </a:extLst>
+        </p:spPr>
+      </p:pic>
+      <p:pic>
+        <p:nvPicPr>
+          <p:cNvPr id="32" name="Picture 31">
+            <a:extLst>
+              <a:ext uri="{FF2B5EF4-FFF2-40B4-BE49-F238E27FC236}">
+                <a16:creationId xmlns:a16="http://schemas.microsoft.com/office/drawing/2014/main" id="{E5AA7BB9-362E-2F80-E9F9-79382A3BD385}"/>
+              </a:ext>
+            </a:extLst>
+          </p:cNvPr>
+          <p:cNvPicPr>
+            <a:picLocks noChangeAspect="1"/>
+          </p:cNvPicPr>
+          <p:nvPr/>
+        </p:nvPicPr>
+        <p:blipFill>
+          <a:blip r:embed="rId9"/>
+          <a:stretch>
+            <a:fillRect/>
+          </a:stretch>
+        </p:blipFill>
+        <p:spPr>
+          <a:xfrm>
+            <a:off x="1455480" y="23217844"/>
+            <a:ext cx="7884135" cy="5299478"/>
+          </a:xfrm>
+          <a:prstGeom prst="rect">
+            <a:avLst/>
+          </a:prstGeom>
+        </p:spPr>
+      </p:pic>
     </p:spTree>
+  </p:cSld>
+  <p:clrMapOvr>
+    <a:masterClrMapping/>
+  </p:clrMapOvr>
+</p:sld>
+</file>
+
+<file path=ppt/slides/slide2.xml><?xml version="1.0" encoding="utf-8"?>
+<p:sld xmlns:a="http://schemas.openxmlformats.org/drawingml/2006/main" xmlns:r="http://schemas.openxmlformats.org/officeDocument/2006/relationships" xmlns:p="http://schemas.openxmlformats.org/presentationml/2006/main">
+  <p:cSld>
+    <p:spTree>
+      <p:nvGrpSpPr>
+        <p:cNvPr id="1" name=""/>
+        <p:cNvGrpSpPr/>
+        <p:nvPr/>
+      </p:nvGrpSpPr>
+      <p:grpSpPr>
+        <a:xfrm>
+          <a:off x="0" y="0"/>
+          <a:ext cx="0" cy="0"/>
+          <a:chOff x="0" y="0"/>
+          <a:chExt cx="0" cy="0"/>
+        </a:xfrm>
+      </p:grpSpPr>
+      <p:sp>
+        <p:nvSpPr>
+          <p:cNvPr id="35" name="PlaceHolder 15">
+            <a:extLst>
+              <a:ext uri="{FF2B5EF4-FFF2-40B4-BE49-F238E27FC236}">
+                <a16:creationId xmlns:a16="http://schemas.microsoft.com/office/drawing/2014/main" id="{7A7D0355-B999-4B05-0DB0-E4D7EA8503B3}"/>
+              </a:ext>
+            </a:extLst>
+          </p:cNvPr>
+          <p:cNvSpPr txBox="1">
+            <a:spLocks/>
+          </p:cNvSpPr>
+          <p:nvPr/>
+        </p:nvSpPr>
+        <p:spPr>
+          <a:xfrm>
+            <a:off x="657767" y="5849525"/>
+            <a:ext cx="12273120" cy="1093680"/>
+          </a:xfrm>
+          <a:prstGeom prst="rect">
+            <a:avLst/>
+          </a:prstGeom>
+          <a:solidFill>
+            <a:srgbClr val="FF5757"/>
+          </a:solidFill>
+          <a:ln w="0">
+            <a:noFill/>
+          </a:ln>
+        </p:spPr>
+        <p:txBody>
+          <a:bodyPr lIns="365760" tIns="45000" rIns="90000" bIns="45000" anchor="ctr">
+            <a:noAutofit/>
+          </a:bodyPr>
+          <a:lstStyle>
+            <a:lvl1pPr marL="228600" indent="-228600" algn="l" defTabSz="914400" rtl="0" eaLnBrk="1" latinLnBrk="0" hangingPunct="1">
+              <a:lnSpc>
+                <a:spcPct val="90000"/>
+              </a:lnSpc>
+              <a:spcBef>
+                <a:spcPts val="1000"/>
+              </a:spcBef>
+              <a:buFont typeface="Arial" panose="020B0604020202020204" pitchFamily="34" charset="0"/>
+              <a:buChar char="•"/>
+              <a:defRPr sz="2800" kern="1200">
+                <a:solidFill>
+                  <a:schemeClr val="tx1"/>
+                </a:solidFill>
+                <a:latin typeface="+mn-lt"/>
+                <a:ea typeface="+mn-ea"/>
+                <a:cs typeface="+mn-cs"/>
+              </a:defRPr>
+            </a:lvl1pPr>
+            <a:lvl2pPr marL="685800" indent="-228600" algn="l" defTabSz="914400" rtl="0" eaLnBrk="1" latinLnBrk="0" hangingPunct="1">
+              <a:lnSpc>
+                <a:spcPct val="90000"/>
+              </a:lnSpc>
+              <a:spcBef>
+                <a:spcPts val="500"/>
+              </a:spcBef>
+              <a:buFont typeface="Arial" panose="020B0604020202020204" pitchFamily="34" charset="0"/>
+              <a:buChar char="•"/>
+              <a:defRPr sz="2400" kern="1200">
+                <a:solidFill>
+                  <a:schemeClr val="tx1"/>
+                </a:solidFill>
+                <a:latin typeface="+mn-lt"/>
+                <a:ea typeface="+mn-ea"/>
+                <a:cs typeface="+mn-cs"/>
+              </a:defRPr>
+            </a:lvl2pPr>
+            <a:lvl3pPr marL="1143000" indent="-228600" algn="l" defTabSz="914400" rtl="0" eaLnBrk="1" latinLnBrk="0" hangingPunct="1">
+              <a:lnSpc>
+                <a:spcPct val="90000"/>
+              </a:lnSpc>
+              <a:spcBef>
+                <a:spcPts val="500"/>
+              </a:spcBef>
+              <a:buFont typeface="Arial" panose="020B0604020202020204" pitchFamily="34" charset="0"/>
+              <a:buChar char="•"/>
+              <a:defRPr sz="2000" kern="1200">
+                <a:solidFill>
+                  <a:schemeClr val="tx1"/>
+                </a:solidFill>
+                <a:latin typeface="+mn-lt"/>
+                <a:ea typeface="+mn-ea"/>
+                <a:cs typeface="+mn-cs"/>
+              </a:defRPr>
+            </a:lvl3pPr>
+            <a:lvl4pPr marL="1600200" indent="-228600" algn="l" defTabSz="914400" rtl="0" eaLnBrk="1" latinLnBrk="0" hangingPunct="1">
+              <a:lnSpc>
+                <a:spcPct val="90000"/>
+              </a:lnSpc>
+              <a:spcBef>
+                <a:spcPts val="500"/>
+              </a:spcBef>
+              <a:buFont typeface="Arial" panose="020B0604020202020204" pitchFamily="34" charset="0"/>
+              <a:buChar char="•"/>
+              <a:defRPr sz="1800" kern="1200">
+                <a:solidFill>
+                  <a:schemeClr val="tx1"/>
+                </a:solidFill>
+                <a:latin typeface="+mn-lt"/>
+                <a:ea typeface="+mn-ea"/>
+                <a:cs typeface="+mn-cs"/>
+              </a:defRPr>
+            </a:lvl4pPr>
+            <a:lvl5pPr marL="2057400" indent="-228600" algn="l" defTabSz="914400" rtl="0" eaLnBrk="1" latinLnBrk="0" hangingPunct="1">
+              <a:lnSpc>
+                <a:spcPct val="90000"/>
+              </a:lnSpc>
+              <a:spcBef>
+                <a:spcPts val="500"/>
+              </a:spcBef>
+              <a:buFont typeface="Arial" panose="020B0604020202020204" pitchFamily="34" charset="0"/>
+              <a:buChar char="•"/>
+              <a:defRPr sz="1800" kern="1200">
+                <a:solidFill>
+                  <a:schemeClr val="tx1"/>
+                </a:solidFill>
+                <a:latin typeface="+mn-lt"/>
+                <a:ea typeface="+mn-ea"/>
+                <a:cs typeface="+mn-cs"/>
+              </a:defRPr>
+            </a:lvl5pPr>
+            <a:lvl6pPr marL="2514600" indent="-228600" algn="l" defTabSz="914400" rtl="0" eaLnBrk="1" latinLnBrk="0" hangingPunct="1">
+              <a:lnSpc>
+                <a:spcPct val="90000"/>
+              </a:lnSpc>
+              <a:spcBef>
+                <a:spcPts val="500"/>
+              </a:spcBef>
+              <a:buFont typeface="Arial" panose="020B0604020202020204" pitchFamily="34" charset="0"/>
+              <a:buChar char="•"/>
+              <a:defRPr sz="1800" kern="1200">
+                <a:solidFill>
+                  <a:schemeClr val="tx1"/>
+                </a:solidFill>
+                <a:latin typeface="+mn-lt"/>
+                <a:ea typeface="+mn-ea"/>
+                <a:cs typeface="+mn-cs"/>
+              </a:defRPr>
+            </a:lvl6pPr>
+            <a:lvl7pPr marL="2971800" indent="-228600" algn="l" defTabSz="914400" rtl="0" eaLnBrk="1" latinLnBrk="0" hangingPunct="1">
+              <a:lnSpc>
+                <a:spcPct val="90000"/>
+              </a:lnSpc>
+              <a:spcBef>
+                <a:spcPts val="500"/>
+              </a:spcBef>
+              <a:buFont typeface="Arial" panose="020B0604020202020204" pitchFamily="34" charset="0"/>
+              <a:buChar char="•"/>
+              <a:defRPr sz="1800" kern="1200">
+                <a:solidFill>
+                  <a:schemeClr val="tx1"/>
+                </a:solidFill>
+                <a:latin typeface="+mn-lt"/>
+                <a:ea typeface="+mn-ea"/>
+                <a:cs typeface="+mn-cs"/>
+              </a:defRPr>
+            </a:lvl7pPr>
+            <a:lvl8pPr marL="3429000" indent="-228600" algn="l" defTabSz="914400" rtl="0" eaLnBrk="1" latinLnBrk="0" hangingPunct="1">
+              <a:lnSpc>
+                <a:spcPct val="90000"/>
+              </a:lnSpc>
+              <a:spcBef>
+                <a:spcPts val="500"/>
+              </a:spcBef>
+              <a:buFont typeface="Arial" panose="020B0604020202020204" pitchFamily="34" charset="0"/>
+              <a:buChar char="•"/>
+              <a:defRPr sz="1800" kern="1200">
+                <a:solidFill>
+                  <a:schemeClr val="tx1"/>
+                </a:solidFill>
+                <a:latin typeface="+mn-lt"/>
+                <a:ea typeface="+mn-ea"/>
+                <a:cs typeface="+mn-cs"/>
+              </a:defRPr>
+            </a:lvl8pPr>
+            <a:lvl9pPr marL="3886200" indent="-228600" algn="l" defTabSz="914400" rtl="0" eaLnBrk="1" latinLnBrk="0" hangingPunct="1">
+              <a:lnSpc>
+                <a:spcPct val="90000"/>
+              </a:lnSpc>
+              <a:spcBef>
+                <a:spcPts val="500"/>
+              </a:spcBef>
+              <a:buFont typeface="Arial" panose="020B0604020202020204" pitchFamily="34" charset="0"/>
+              <a:buChar char="•"/>
+              <a:defRPr sz="1800" kern="1200">
+                <a:solidFill>
+                  <a:schemeClr val="tx1"/>
+                </a:solidFill>
+                <a:latin typeface="+mn-lt"/>
+                <a:ea typeface="+mn-ea"/>
+                <a:cs typeface="+mn-cs"/>
+              </a:defRPr>
+            </a:lvl9pPr>
+          </a:lstStyle>
+          <a:p>
+            <a:pPr indent="0">
+              <a:spcBef>
+                <a:spcPts val="1417"/>
+              </a:spcBef>
+              <a:buFont typeface="Arial" panose="020B0604020202020204" pitchFamily="34" charset="0"/>
+              <a:buNone/>
+            </a:pPr>
+            <a:endParaRPr lang="en-CA" sz="1800" spc="-1" dirty="0">
+              <a:solidFill>
+                <a:srgbClr val="000000"/>
+              </a:solidFill>
+              <a:latin typeface="Arial"/>
+            </a:endParaRPr>
+          </a:p>
+        </p:txBody>
+      </p:sp>
+      <p:sp>
+        <p:nvSpPr>
+          <p:cNvPr id="37" name="Rectangle 36">
+            <a:extLst>
+              <a:ext uri="{FF2B5EF4-FFF2-40B4-BE49-F238E27FC236}">
+                <a16:creationId xmlns:a16="http://schemas.microsoft.com/office/drawing/2014/main" id="{CF2FE002-A11A-D235-8FB0-1B4326535C98}"/>
+              </a:ext>
+            </a:extLst>
+          </p:cNvPr>
+          <p:cNvSpPr/>
+          <p:nvPr/>
+        </p:nvSpPr>
+        <p:spPr>
+          <a:xfrm>
+            <a:off x="657767" y="5849525"/>
+            <a:ext cx="12273120" cy="920400"/>
+          </a:xfrm>
+          <a:prstGeom prst="rect">
+            <a:avLst/>
+          </a:prstGeom>
+          <a:solidFill>
+            <a:srgbClr val="595959"/>
+          </a:solidFill>
+          <a:ln>
+            <a:noFill/>
+          </a:ln>
+        </p:spPr>
+        <p:style>
+          <a:lnRef idx="2">
+            <a:schemeClr val="accent1">
+              <a:shade val="15000"/>
+            </a:schemeClr>
+          </a:lnRef>
+          <a:fillRef idx="1">
+            <a:schemeClr val="accent1"/>
+          </a:fillRef>
+          <a:effectRef idx="0">
+            <a:schemeClr val="accent1"/>
+          </a:effectRef>
+          <a:fontRef idx="minor">
+            <a:schemeClr val="lt1"/>
+          </a:fontRef>
+        </p:style>
+        <p:txBody>
+          <a:bodyPr rtlCol="0" anchor="ctr"/>
+          <a:lstStyle/>
+          <a:p>
+            <a:pPr algn="ctr"/>
+            <a:endParaRPr lang="en-US">
+              <a:solidFill>
+                <a:schemeClr val="tx2">
+                  <a:lumMod val="25000"/>
+                  <a:lumOff val="75000"/>
+                </a:schemeClr>
+              </a:solidFill>
+            </a:endParaRPr>
+          </a:p>
+        </p:txBody>
+      </p:sp>
+      <p:sp>
+        <p:nvSpPr>
+          <p:cNvPr id="38" name="TextBox 37">
+            <a:extLst>
+              <a:ext uri="{FF2B5EF4-FFF2-40B4-BE49-F238E27FC236}">
+                <a16:creationId xmlns:a16="http://schemas.microsoft.com/office/drawing/2014/main" id="{194AED81-E7C0-DD7A-69BA-8086CFEF7769}"/>
+              </a:ext>
+            </a:extLst>
+          </p:cNvPr>
+          <p:cNvSpPr txBox="1"/>
+          <p:nvPr/>
+        </p:nvSpPr>
+        <p:spPr>
+          <a:xfrm>
+            <a:off x="3670127" y="5986559"/>
+            <a:ext cx="6248400" cy="646331"/>
+          </a:xfrm>
+          <a:prstGeom prst="rect">
+            <a:avLst/>
+          </a:prstGeom>
+          <a:noFill/>
+        </p:spPr>
+        <p:txBody>
+          <a:bodyPr wrap="square" rtlCol="0">
+            <a:spAutoFit/>
+          </a:bodyPr>
+          <a:lstStyle/>
+          <a:p>
+            <a:pPr algn="ctr"/>
+            <a:r>
+              <a:rPr lang="en-US" sz="3600" dirty="0">
+                <a:solidFill>
+                  <a:schemeClr val="bg1">
+                    <a:lumMod val="95000"/>
+                  </a:schemeClr>
+                </a:solidFill>
+                <a:latin typeface="Times New Roman" panose="02020603050405020304" pitchFamily="18" charset="0"/>
+                <a:cs typeface="Times New Roman" panose="02020603050405020304" pitchFamily="18" charset="0"/>
+              </a:rPr>
+              <a:t>References</a:t>
+            </a:r>
+          </a:p>
+        </p:txBody>
+      </p:sp>
+      <p:sp>
+        <p:nvSpPr>
+          <p:cNvPr id="18" name="TextBox 17">
+            <a:extLst>
+              <a:ext uri="{FF2B5EF4-FFF2-40B4-BE49-F238E27FC236}">
+                <a16:creationId xmlns:a16="http://schemas.microsoft.com/office/drawing/2014/main" id="{38706C97-ADA1-73C7-0DBF-E3BA82E0D6FD}"/>
+              </a:ext>
+            </a:extLst>
+          </p:cNvPr>
+          <p:cNvSpPr txBox="1"/>
+          <p:nvPr/>
+        </p:nvSpPr>
+        <p:spPr>
+          <a:xfrm>
+            <a:off x="658368" y="7053810"/>
+            <a:ext cx="12273120" cy="3272691"/>
+          </a:xfrm>
+          <a:prstGeom prst="rect">
+            <a:avLst/>
+          </a:prstGeom>
+          <a:noFill/>
+        </p:spPr>
+        <p:txBody>
+          <a:bodyPr wrap="square" rtlCol="0">
+            <a:spAutoFit/>
+          </a:bodyPr>
+          <a:lstStyle/>
+          <a:p>
+            <a:pPr indent="0" algn="just">
+              <a:spcBef>
+                <a:spcPts val="1417"/>
+              </a:spcBef>
+              <a:buFont typeface="Arial" panose="020B0604020202020204" pitchFamily="34" charset="0"/>
+              <a:buNone/>
+            </a:pPr>
+            <a:r>
+              <a:rPr lang="en-GB" sz="2000" b="1" dirty="0">
+                <a:latin typeface="Times New Roman" panose="02020603050405020304" pitchFamily="18" charset="0"/>
+                <a:cs typeface="Times New Roman" panose="02020603050405020304" pitchFamily="18" charset="0"/>
+              </a:rPr>
+              <a:t>[1]</a:t>
+            </a:r>
+            <a:r>
+              <a:rPr lang="en-GB" sz="2000" dirty="0">
+                <a:latin typeface="Times New Roman" panose="02020603050405020304" pitchFamily="18" charset="0"/>
+                <a:cs typeface="Times New Roman" panose="02020603050405020304" pitchFamily="18" charset="0"/>
+              </a:rPr>
+              <a:t> J. O. Kephart and D. M. Chess, "The Vision of Autonomic Computing," </a:t>
+            </a:r>
+            <a:r>
+              <a:rPr lang="en-GB" sz="2000" i="1" dirty="0">
+                <a:latin typeface="Times New Roman" panose="02020603050405020304" pitchFamily="18" charset="0"/>
+                <a:cs typeface="Times New Roman" panose="02020603050405020304" pitchFamily="18" charset="0"/>
+              </a:rPr>
+              <a:t>IEEE Computer Magazine</a:t>
+            </a:r>
+            <a:r>
+              <a:rPr lang="en-GB" sz="2000" dirty="0">
+                <a:latin typeface="Times New Roman" panose="02020603050405020304" pitchFamily="18" charset="0"/>
+                <a:cs typeface="Times New Roman" panose="02020603050405020304" pitchFamily="18" charset="0"/>
+              </a:rPr>
+              <a:t>, pp. 41-50, Jan. 2003</a:t>
+            </a:r>
+          </a:p>
+          <a:p>
+            <a:pPr indent="0" algn="just">
+              <a:spcBef>
+                <a:spcPts val="1417"/>
+              </a:spcBef>
+              <a:buFont typeface="Arial" panose="020B0604020202020204" pitchFamily="34" charset="0"/>
+              <a:buNone/>
+            </a:pPr>
+            <a:r>
+              <a:rPr lang="en-GB" sz="2000" b="1" dirty="0">
+                <a:latin typeface="Times New Roman" panose="02020603050405020304" pitchFamily="18" charset="0"/>
+                <a:cs typeface="Times New Roman" panose="02020603050405020304" pitchFamily="18" charset="0"/>
+              </a:rPr>
+              <a:t>[2]</a:t>
+            </a:r>
+            <a:r>
+              <a:rPr lang="en-GB" sz="2000" dirty="0">
+                <a:latin typeface="Times New Roman" panose="02020603050405020304" pitchFamily="18" charset="0"/>
+                <a:cs typeface="Times New Roman" panose="02020603050405020304" pitchFamily="18" charset="0"/>
+              </a:rPr>
+              <a:t> L. </a:t>
+            </a:r>
+            <a:r>
+              <a:rPr lang="en-GB" sz="2000" dirty="0" err="1">
+                <a:latin typeface="Times New Roman" panose="02020603050405020304" pitchFamily="18" charset="0"/>
+                <a:cs typeface="Times New Roman" panose="02020603050405020304" pitchFamily="18" charset="0"/>
+              </a:rPr>
+              <a:t>Tahvildari</a:t>
+            </a:r>
+            <a:r>
+              <a:rPr lang="en-GB" sz="2000" dirty="0">
+                <a:latin typeface="Times New Roman" panose="02020603050405020304" pitchFamily="18" charset="0"/>
+                <a:cs typeface="Times New Roman" panose="02020603050405020304" pitchFamily="18" charset="0"/>
+              </a:rPr>
+              <a:t>, </a:t>
+            </a:r>
+            <a:r>
+              <a:rPr lang="en-GB" sz="2000" i="1" dirty="0">
+                <a:latin typeface="Times New Roman" panose="02020603050405020304" pitchFamily="18" charset="0"/>
+                <a:cs typeface="Times New Roman" panose="02020603050405020304" pitchFamily="18" charset="0"/>
+              </a:rPr>
+              <a:t>ECE750-T37: Engineering Self-Adaptive Software Systems, Lecture 1</a:t>
+            </a:r>
+            <a:r>
+              <a:rPr lang="en-GB" sz="2000" dirty="0">
+                <a:latin typeface="Times New Roman" panose="02020603050405020304" pitchFamily="18" charset="0"/>
+                <a:cs typeface="Times New Roman" panose="02020603050405020304" pitchFamily="18" charset="0"/>
+              </a:rPr>
+              <a:t>, Dept. of Elect. and Comp. Eng., University of Waterloo, 2024</a:t>
+            </a:r>
+          </a:p>
+          <a:p>
+            <a:pPr indent="0" algn="just">
+              <a:spcBef>
+                <a:spcPts val="1417"/>
+              </a:spcBef>
+              <a:buFont typeface="Arial" panose="020B0604020202020204" pitchFamily="34" charset="0"/>
+              <a:buNone/>
+            </a:pPr>
+            <a:r>
+              <a:rPr lang="en-GB" sz="2000" b="1" dirty="0">
+                <a:latin typeface="Times New Roman" panose="02020603050405020304" pitchFamily="18" charset="0"/>
+                <a:cs typeface="Times New Roman" panose="02020603050405020304" pitchFamily="18" charset="0"/>
+              </a:rPr>
+              <a:t>[3]</a:t>
+            </a:r>
+            <a:r>
+              <a:rPr lang="en-GB" sz="2000" dirty="0">
+                <a:latin typeface="Times New Roman" panose="02020603050405020304" pitchFamily="18" charset="0"/>
+                <a:cs typeface="Times New Roman" panose="02020603050405020304" pitchFamily="18" charset="0"/>
+              </a:rPr>
+              <a:t> D. </a:t>
+            </a:r>
+            <a:r>
+              <a:rPr lang="en-GB" sz="2000" dirty="0" err="1">
+                <a:latin typeface="Times New Roman" panose="02020603050405020304" pitchFamily="18" charset="0"/>
+                <a:cs typeface="Times New Roman" panose="02020603050405020304" pitchFamily="18" charset="0"/>
+              </a:rPr>
+              <a:t>Weyns</a:t>
+            </a:r>
+            <a:r>
+              <a:rPr lang="en-GB" sz="2000" dirty="0">
+                <a:latin typeface="Times New Roman" panose="02020603050405020304" pitchFamily="18" charset="0"/>
+                <a:cs typeface="Times New Roman" panose="02020603050405020304" pitchFamily="18" charset="0"/>
+              </a:rPr>
+              <a:t>, </a:t>
+            </a:r>
+            <a:r>
+              <a:rPr lang="en-GB" sz="2000" i="1" dirty="0">
+                <a:latin typeface="Times New Roman" panose="02020603050405020304" pitchFamily="18" charset="0"/>
+                <a:cs typeface="Times New Roman" panose="02020603050405020304" pitchFamily="18" charset="0"/>
+              </a:rPr>
+              <a:t>An Introduction to Self-Adaptive Systems: A Contemporary Software Engineering Perspective</a:t>
+            </a:r>
+            <a:r>
+              <a:rPr lang="en-GB" sz="2000" dirty="0">
+                <a:latin typeface="Times New Roman" panose="02020603050405020304" pitchFamily="18" charset="0"/>
+                <a:cs typeface="Times New Roman" panose="02020603050405020304" pitchFamily="18" charset="0"/>
+              </a:rPr>
+              <a:t>, Wiley-IEEE CS Press, Oct. 2020</a:t>
+            </a:r>
+          </a:p>
+          <a:p>
+            <a:pPr indent="0" algn="just">
+              <a:spcBef>
+                <a:spcPts val="1417"/>
+              </a:spcBef>
+              <a:buFont typeface="Arial" panose="020B0604020202020204" pitchFamily="34" charset="0"/>
+              <a:buNone/>
+            </a:pPr>
+            <a:r>
+              <a:rPr lang="en-US" sz="2000" b="1" dirty="0">
+                <a:latin typeface="Times New Roman" panose="02020603050405020304" pitchFamily="18" charset="0"/>
+                <a:cs typeface="Times New Roman" panose="02020603050405020304" pitchFamily="18" charset="0"/>
+              </a:rPr>
+              <a:t>[4]</a:t>
+            </a:r>
+            <a:r>
+              <a:rPr lang="en-US" sz="2000" dirty="0">
+                <a:latin typeface="Times New Roman" panose="02020603050405020304" pitchFamily="18" charset="0"/>
+                <a:cs typeface="Times New Roman" panose="02020603050405020304" pitchFamily="18" charset="0"/>
+              </a:rPr>
+              <a:t> "Raspberry Pi 4 Model B," Raspberry Pi, </a:t>
+            </a:r>
+            <a:r>
+              <a:rPr lang="en-US" sz="2000" dirty="0">
+                <a:latin typeface="Times New Roman" panose="02020603050405020304" pitchFamily="18" charset="0"/>
+                <a:cs typeface="Times New Roman" panose="02020603050405020304" pitchFamily="18" charset="0"/>
+                <a:hlinkClick r:id="rId2">
+                  <a:extLst>
+                    <a:ext uri="{A12FA001-AC4F-418D-AE19-62706E023703}">
+                      <ahyp:hlinkClr xmlns:ahyp="http://schemas.microsoft.com/office/drawing/2018/hyperlinkcolor" val="tx"/>
+                    </a:ext>
+                  </a:extLst>
+                </a:hlinkClick>
+              </a:rPr>
+              <a:t>https://www.raspberrypi.com/products/raspberry-pi-4-model-b/</a:t>
+            </a:r>
+            <a:endParaRPr lang="en-GB" sz="2000" dirty="0">
+              <a:latin typeface="Times New Roman" panose="02020603050405020304" pitchFamily="18" charset="0"/>
+              <a:cs typeface="Times New Roman" panose="02020603050405020304" pitchFamily="18" charset="0"/>
+            </a:endParaRPr>
+          </a:p>
+          <a:p>
+            <a:pPr indent="0" algn="just">
+              <a:spcBef>
+                <a:spcPts val="1417"/>
+              </a:spcBef>
+              <a:buFont typeface="Arial" panose="020B0604020202020204" pitchFamily="34" charset="0"/>
+              <a:buNone/>
+            </a:pPr>
+            <a:endParaRPr lang="en-CA" sz="2000" spc="-1" dirty="0">
+              <a:latin typeface="Times New Roman" panose="02020603050405020304" pitchFamily="18" charset="0"/>
+              <a:cs typeface="Times New Roman" panose="02020603050405020304" pitchFamily="18" charset="0"/>
+            </a:endParaRPr>
+          </a:p>
+        </p:txBody>
+      </p:sp>
+    </p:spTree>
+    <p:extLst>
+      <p:ext uri="{BB962C8B-B14F-4D97-AF65-F5344CB8AC3E}">
+        <p14:creationId xmlns:p14="http://schemas.microsoft.com/office/powerpoint/2010/main" val="2657317240"/>
+      </p:ext>
+    </p:extLst>
   </p:cSld>
   <p:clrMapOvr>
     <a:masterClrMapping/>

--- a/Documents/G7-a0_landscape-projectposter-Daniel.pptx
+++ b/Documents/G7-a0_landscape-projectposter-Daniel.pptx
@@ -6925,8 +6925,38 @@
         </p:blipFill>
         <p:spPr>
           <a:xfrm>
-            <a:off x="1455480" y="23217844"/>
-            <a:ext cx="7884135" cy="5299478"/>
+            <a:off x="1455480" y="22898976"/>
+            <a:ext cx="6323627" cy="4250552"/>
+          </a:xfrm>
+          <a:prstGeom prst="rect">
+            <a:avLst/>
+          </a:prstGeom>
+        </p:spPr>
+      </p:pic>
+      <p:pic>
+        <p:nvPicPr>
+          <p:cNvPr id="21" name="Picture 20">
+            <a:extLst>
+              <a:ext uri="{FF2B5EF4-FFF2-40B4-BE49-F238E27FC236}">
+                <a16:creationId xmlns:a16="http://schemas.microsoft.com/office/drawing/2014/main" id="{B797238A-C0F0-7356-2B8C-D3023C2BF6AC}"/>
+              </a:ext>
+            </a:extLst>
+          </p:cNvPr>
+          <p:cNvPicPr>
+            <a:picLocks noChangeAspect="1"/>
+          </p:cNvPicPr>
+          <p:nvPr/>
+        </p:nvPicPr>
+        <p:blipFill>
+          <a:blip r:embed="rId10"/>
+          <a:stretch>
+            <a:fillRect/>
+          </a:stretch>
+        </p:blipFill>
+        <p:spPr>
+          <a:xfrm>
+            <a:off x="7945120" y="22140234"/>
+            <a:ext cx="5783480" cy="5768037"/>
           </a:xfrm>
           <a:prstGeom prst="rect">
             <a:avLst/>
@@ -6942,7 +6972,7 @@
 </file>
 
 <file path=ppt/slides/slide2.xml><?xml version="1.0" encoding="utf-8"?>
-<p:sld xmlns:a="http://schemas.openxmlformats.org/drawingml/2006/main" xmlns:r="http://schemas.openxmlformats.org/officeDocument/2006/relationships" xmlns:p="http://schemas.openxmlformats.org/presentationml/2006/main">
+<p:sld xmlns:a="http://schemas.openxmlformats.org/drawingml/2006/main" xmlns:r="http://schemas.openxmlformats.org/officeDocument/2006/relationships" xmlns:p="http://schemas.openxmlformats.org/presentationml/2006/main" show="0">
   <p:cSld>
     <p:spTree>
       <p:nvGrpSpPr>

--- a/Documents/G7-a0_landscape-projectposter-Daniel.pptx
+++ b/Documents/G7-a0_landscape-projectposter-Daniel.pptx
@@ -3613,7 +3613,7 @@
                 <a:latin typeface="Times New Roman" panose="02020603050405020304" pitchFamily="18" charset="0"/>
                 <a:cs typeface="Times New Roman" panose="02020603050405020304" pitchFamily="18" charset="0"/>
               </a:rPr>
-              <a:t>Eliminate need for overprovisioning</a:t>
+              <a:t>Eliminate manual labour</a:t>
             </a:r>
           </a:p>
         </p:txBody>
@@ -6432,7 +6432,7 @@
                 <a:latin typeface="Times New Roman" panose="02020603050405020304" pitchFamily="18" charset="0"/>
                 <a:cs typeface="Times New Roman" panose="02020603050405020304" pitchFamily="18" charset="0"/>
               </a:rPr>
-              <a:t>Testing</a:t>
+              <a:t>Testing and Validation</a:t>
             </a:r>
           </a:p>
           <a:p>
@@ -6469,6 +6469,24 @@
                 <a:cs typeface="Times New Roman" panose="02020603050405020304" pitchFamily="18" charset="0"/>
               </a:rPr>
               <a:t>Historical data collection</a:t>
+            </a:r>
+          </a:p>
+          <a:p>
+            <a:pPr marL="685800" indent="-457200">
+              <a:spcBef>
+                <a:spcPts val="1417"/>
+              </a:spcBef>
+              <a:defRPr/>
+            </a:pPr>
+            <a:r>
+              <a:rPr lang="en-GB" sz="2400" spc="-1" dirty="0">
+                <a:solidFill>
+                  <a:srgbClr val="000000"/>
+                </a:solidFill>
+                <a:latin typeface="Times New Roman" panose="02020603050405020304" pitchFamily="18" charset="0"/>
+                <a:cs typeface="Times New Roman" panose="02020603050405020304" pitchFamily="18" charset="0"/>
+              </a:rPr>
+              <a:t>Anomaly detection model training</a:t>
             </a:r>
           </a:p>
         </p:txBody>
@@ -6488,7 +6506,7 @@
         <p:spPr>
           <a:xfrm>
             <a:off x="29029680" y="22003200"/>
-            <a:ext cx="12273120" cy="5622052"/>
+            <a:ext cx="12273120" cy="5073184"/>
           </a:xfrm>
           <a:prstGeom prst="rect">
             <a:avLst/>
@@ -6579,9 +6597,103 @@
             </a:r>
           </a:p>
           <a:p>
+            <a:pPr marL="342900" marR="0" lvl="0" indent="-342900" algn="l" defTabSz="914400" rtl="0" eaLnBrk="1" fontAlgn="auto" latinLnBrk="0" hangingPunct="1">
+              <a:lnSpc>
+                <a:spcPct val="100000"/>
+              </a:lnSpc>
+              <a:spcBef>
+                <a:spcPts val="1417"/>
+              </a:spcBef>
+              <a:spcAft>
+                <a:spcPts val="0"/>
+              </a:spcAft>
+              <a:buClrTx/>
+              <a:buSzTx/>
+              <a:buFont typeface="Arial" panose="020B0604020202020204" pitchFamily="34" charset="0"/>
+              <a:buChar char="•"/>
+              <a:tabLst/>
+              <a:defRPr/>
+            </a:pPr>
+            <a:r>
+              <a:rPr lang="en-GB" sz="2400" spc="-1" dirty="0">
+                <a:solidFill>
+                  <a:srgbClr val="000000"/>
+                </a:solidFill>
+                <a:latin typeface="Times New Roman" panose="02020603050405020304" pitchFamily="18" charset="0"/>
+                <a:cs typeface="Times New Roman" panose="02020603050405020304" pitchFamily="18" charset="0"/>
+              </a:rPr>
+              <a:t>Dynamic adaptation optimizes performance under fluctuating traffic loads</a:t>
+            </a:r>
+          </a:p>
+          <a:p>
+            <a:pPr marL="342900" marR="0" lvl="0" indent="-342900" algn="l" defTabSz="914400" rtl="0" eaLnBrk="1" fontAlgn="auto" latinLnBrk="0" hangingPunct="1">
+              <a:lnSpc>
+                <a:spcPct val="100000"/>
+              </a:lnSpc>
+              <a:spcBef>
+                <a:spcPts val="1417"/>
+              </a:spcBef>
+              <a:spcAft>
+                <a:spcPts val="0"/>
+              </a:spcAft>
+              <a:buClrTx/>
+              <a:buSzTx/>
+              <a:buFont typeface="Arial" panose="020B0604020202020204" pitchFamily="34" charset="0"/>
+              <a:buChar char="•"/>
+              <a:tabLst/>
+              <a:defRPr/>
+            </a:pPr>
+            <a:r>
+              <a:rPr lang="en-GB" sz="2400" spc="-1" dirty="0">
+                <a:solidFill>
+                  <a:srgbClr val="000000"/>
+                </a:solidFill>
+                <a:latin typeface="Times New Roman" panose="02020603050405020304" pitchFamily="18" charset="0"/>
+                <a:cs typeface="Times New Roman" panose="02020603050405020304" pitchFamily="18" charset="0"/>
+              </a:rPr>
+              <a:t>Automatic reboot mechanisms ensure minimal downtime and uninterrupted hosting</a:t>
+            </a:r>
+            <a:endParaRPr lang="en-US" sz="2400" spc="-1" dirty="0">
+              <a:solidFill>
+                <a:srgbClr val="000000"/>
+              </a:solidFill>
+              <a:latin typeface="Times New Roman" panose="02020603050405020304" pitchFamily="18" charset="0"/>
+              <a:cs typeface="Times New Roman" panose="02020603050405020304" pitchFamily="18" charset="0"/>
+            </a:endParaRPr>
+          </a:p>
+          <a:p>
+            <a:pPr marL="342900" marR="0" lvl="0" indent="-342900" algn="l" defTabSz="914400" rtl="0" eaLnBrk="1" fontAlgn="auto" latinLnBrk="0" hangingPunct="1">
+              <a:lnSpc>
+                <a:spcPct val="100000"/>
+              </a:lnSpc>
+              <a:spcBef>
+                <a:spcPts val="1417"/>
+              </a:spcBef>
+              <a:spcAft>
+                <a:spcPts val="0"/>
+              </a:spcAft>
+              <a:buClrTx/>
+              <a:buSzTx/>
+              <a:buFont typeface="Arial" panose="020B0604020202020204" pitchFamily="34" charset="0"/>
+              <a:buChar char="•"/>
+              <a:tabLst/>
+              <a:defRPr/>
+            </a:pPr>
+            <a:r>
+              <a:rPr lang="en-US" sz="2400" spc="-1" dirty="0">
+                <a:solidFill>
+                  <a:srgbClr val="000000"/>
+                </a:solidFill>
+                <a:latin typeface="Times New Roman" panose="02020603050405020304" pitchFamily="18" charset="0"/>
+                <a:cs typeface="Times New Roman" panose="02020603050405020304" pitchFamily="18" charset="0"/>
+              </a:rPr>
+              <a:t>Optimal thresholds reduce content oscillation and enable efficient resource allocation</a:t>
+            </a:r>
+          </a:p>
+          <a:p>
             <a:pPr marL="0" marR="0" lvl="0" indent="0" algn="l" defTabSz="914400" rtl="0" eaLnBrk="1" fontAlgn="auto" latinLnBrk="0" hangingPunct="1">
               <a:lnSpc>
-                <a:spcPct val="100000"/>
+                <a:spcPct val="150000"/>
               </a:lnSpc>
               <a:spcBef>
                 <a:spcPts val="1417"/>
@@ -6596,58 +6708,6 @@
               <a:tabLst/>
               <a:defRPr/>
             </a:pPr>
-            <a:endParaRPr lang="en-US" sz="3200" b="1" dirty="0">
-              <a:solidFill>
-                <a:srgbClr val="000000"/>
-              </a:solidFill>
-              <a:latin typeface="Times New Roman" panose="02020603050405020304" pitchFamily="18" charset="0"/>
-              <a:cs typeface="Times New Roman" panose="02020603050405020304" pitchFamily="18" charset="0"/>
-            </a:endParaRPr>
-          </a:p>
-          <a:p>
-            <a:pPr marL="0" marR="0" lvl="0" indent="0" algn="l" defTabSz="914400" rtl="0" eaLnBrk="1" fontAlgn="auto" latinLnBrk="0" hangingPunct="1">
-              <a:lnSpc>
-                <a:spcPct val="100000"/>
-              </a:lnSpc>
-              <a:spcBef>
-                <a:spcPts val="1417"/>
-              </a:spcBef>
-              <a:spcAft>
-                <a:spcPts val="0"/>
-              </a:spcAft>
-              <a:buClrTx/>
-              <a:buSzTx/>
-              <a:buFont typeface="Arial" panose="020B0604020202020204" pitchFamily="34" charset="0"/>
-              <a:buNone/>
-              <a:tabLst/>
-              <a:defRPr/>
-            </a:pPr>
-            <a:endParaRPr lang="en-US" sz="3200" b="1" dirty="0">
-              <a:solidFill>
-                <a:srgbClr val="000000"/>
-              </a:solidFill>
-              <a:latin typeface="Times New Roman" panose="02020603050405020304" pitchFamily="18" charset="0"/>
-              <a:cs typeface="Times New Roman" panose="02020603050405020304" pitchFamily="18" charset="0"/>
-            </a:endParaRPr>
-          </a:p>
-          <a:p>
-            <a:pPr marL="0" marR="0" lvl="0" indent="0" algn="l" defTabSz="914400" rtl="0" eaLnBrk="1" fontAlgn="auto" latinLnBrk="0" hangingPunct="1">
-              <a:lnSpc>
-                <a:spcPct val="100000"/>
-              </a:lnSpc>
-              <a:spcBef>
-                <a:spcPts val="1417"/>
-              </a:spcBef>
-              <a:spcAft>
-                <a:spcPts val="0"/>
-              </a:spcAft>
-              <a:buClrTx/>
-              <a:buSzTx/>
-              <a:buFont typeface="Arial" panose="020B0604020202020204" pitchFamily="34" charset="0"/>
-              <a:buNone/>
-              <a:tabLst/>
-              <a:defRPr/>
-            </a:pPr>
             <a:r>
               <a:rPr lang="en-US" sz="3200" b="1" dirty="0">
                 <a:solidFill>
@@ -6716,49 +6776,6 @@
               </a:rPr>
               <a:t>Framework scalability to even more resource constrained environments</a:t>
             </a:r>
-          </a:p>
-          <a:p>
-            <a:pPr marR="0" lvl="0" algn="l" defTabSz="914400" rtl="0" eaLnBrk="1" fontAlgn="auto" latinLnBrk="0" hangingPunct="1">
-              <a:lnSpc>
-                <a:spcPct val="100000"/>
-              </a:lnSpc>
-              <a:spcBef>
-                <a:spcPts val="1417"/>
-              </a:spcBef>
-              <a:spcAft>
-                <a:spcPts val="0"/>
-              </a:spcAft>
-              <a:buClrTx/>
-              <a:buSzTx/>
-              <a:tabLst/>
-              <a:defRPr/>
-            </a:pPr>
-            <a:endParaRPr lang="en-US" sz="2400" spc="-1" dirty="0">
-              <a:solidFill>
-                <a:srgbClr val="000000"/>
-              </a:solidFill>
-              <a:latin typeface="Times New Roman" panose="02020603050405020304" pitchFamily="18" charset="0"/>
-              <a:cs typeface="Times New Roman" panose="02020603050405020304" pitchFamily="18" charset="0"/>
-            </a:endParaRPr>
-          </a:p>
-          <a:p>
-            <a:pPr marL="342900" marR="0" lvl="0" indent="-342900" algn="l" defTabSz="914400" rtl="0" eaLnBrk="1" fontAlgn="auto" latinLnBrk="0" hangingPunct="1">
-              <a:lnSpc>
-                <a:spcPct val="100000"/>
-              </a:lnSpc>
-              <a:spcBef>
-                <a:spcPts val="1417"/>
-              </a:spcBef>
-              <a:spcAft>
-                <a:spcPts val="0"/>
-              </a:spcAft>
-              <a:buClrTx/>
-              <a:buSzTx/>
-              <a:buFont typeface="Arial" panose="020B0604020202020204" pitchFamily="34" charset="0"/>
-              <a:buChar char="•"/>
-              <a:tabLst/>
-              <a:defRPr/>
-            </a:pPr>
             <a:endParaRPr kumimoji="0" lang="en-GB" sz="2400" i="0" u="none" strike="noStrike" kern="1200" cap="none" spc="-1" normalizeH="0" baseline="0" noProof="0" dirty="0">
               <a:ln>
                 <a:noFill/>
@@ -6925,7 +6942,7 @@
         </p:blipFill>
         <p:spPr>
           <a:xfrm>
-            <a:off x="1455480" y="22898976"/>
+            <a:off x="1455480" y="23062497"/>
             <a:ext cx="6323627" cy="4250552"/>
           </a:xfrm>
           <a:prstGeom prst="rect">
@@ -6955,7 +6972,7 @@
         </p:blipFill>
         <p:spPr>
           <a:xfrm>
-            <a:off x="7945120" y="22140234"/>
+            <a:off x="7945120" y="22419396"/>
             <a:ext cx="5783480" cy="5768037"/>
           </a:xfrm>
           <a:prstGeom prst="rect">

--- a/Documents/G7-a0_landscape-projectposter-Daniel.pptx
+++ b/Documents/G7-a0_landscape-projectposter-Daniel.pptx
@@ -4489,7 +4489,7 @@
                 <a:latin typeface="Times New Roman" panose="02020603050405020304" pitchFamily="18" charset="0"/>
                 <a:cs typeface="Times New Roman" panose="02020603050405020304" pitchFamily="18" charset="0"/>
               </a:rPr>
-              <a:t>Historical data for adaptive threshold refinement</a:t>
+              <a:t>Historical data for adaptive anomaly detection</a:t>
             </a:r>
           </a:p>
           <a:p>
@@ -4518,7 +4518,7 @@
                 <a:latin typeface="Times New Roman" panose="02020603050405020304" pitchFamily="18" charset="0"/>
                 <a:cs typeface="Times New Roman" panose="02020603050405020304" pitchFamily="18" charset="0"/>
               </a:rPr>
-              <a:t>HTML adaptation templates</a:t>
+              <a:t>HTML and reconfiguration adaptation</a:t>
             </a:r>
           </a:p>
         </p:txBody>
@@ -5247,7 +5247,7 @@
                 <a:latin typeface="Times New Roman" panose="02020603050405020304" pitchFamily="18" charset="0"/>
                 <a:cs typeface="Times New Roman" panose="02020603050405020304" pitchFamily="18" charset="0"/>
               </a:rPr>
-              <a:t>Proposed Framework</a:t>
+              <a:t>Framework</a:t>
             </a:r>
           </a:p>
         </p:txBody>
@@ -5291,7 +5291,7 @@
                 <a:latin typeface="Times New Roman" panose="02020603050405020304" pitchFamily="18" charset="0"/>
                 <a:cs typeface="Times New Roman" panose="02020603050405020304" pitchFamily="18" charset="0"/>
               </a:rPr>
-              <a:t>MAKE-K</a:t>
+              <a:t>MAPE-K</a:t>
             </a:r>
           </a:p>
         </p:txBody>
